--- a/CSC360Demo/Design Patterns Slide Show.pptx
+++ b/CSC360Demo/Design Patterns Slide Show.pptx
@@ -5,7 +5,7 @@
     <p:sldMasterId id="2147483648" r:id="rId1"/>
   </p:sldMasterIdLst>
   <p:notesMasterIdLst>
-    <p:notesMasterId r:id="rId71"/>
+    <p:notesMasterId r:id="rId84"/>
   </p:notesMasterIdLst>
   <p:sldIdLst>
     <p:sldId id="256" r:id="rId2"/>
@@ -71,12 +71,25 @@
     <p:sldId id="327" r:id="rId62"/>
     <p:sldId id="328" r:id="rId63"/>
     <p:sldId id="329" r:id="rId64"/>
-    <p:sldId id="330" r:id="rId65"/>
-    <p:sldId id="282" r:id="rId66"/>
-    <p:sldId id="293" r:id="rId67"/>
-    <p:sldId id="285" r:id="rId68"/>
-    <p:sldId id="290" r:id="rId69"/>
-    <p:sldId id="294" r:id="rId70"/>
+    <p:sldId id="332" r:id="rId65"/>
+    <p:sldId id="333" r:id="rId66"/>
+    <p:sldId id="334" r:id="rId67"/>
+    <p:sldId id="335" r:id="rId68"/>
+    <p:sldId id="282" r:id="rId69"/>
+    <p:sldId id="336" r:id="rId70"/>
+    <p:sldId id="337" r:id="rId71"/>
+    <p:sldId id="338" r:id="rId72"/>
+    <p:sldId id="339" r:id="rId73"/>
+    <p:sldId id="340" r:id="rId74"/>
+    <p:sldId id="341" r:id="rId75"/>
+    <p:sldId id="342" r:id="rId76"/>
+    <p:sldId id="343" r:id="rId77"/>
+    <p:sldId id="344" r:id="rId78"/>
+    <p:sldId id="345" r:id="rId79"/>
+    <p:sldId id="293" r:id="rId80"/>
+    <p:sldId id="285" r:id="rId81"/>
+    <p:sldId id="290" r:id="rId82"/>
+    <p:sldId id="294" r:id="rId83"/>
   </p:sldIdLst>
   <p:sldSz cx="12192000" cy="6858000"/>
   <p:notesSz cx="6858000" cy="9144000"/>
@@ -265,7 +278,7 @@
           <a:p>
             <a:fld id="{D782FAE9-5783-41EA-813C-FADA9D2AF834}" type="datetimeFigureOut">
               <a:rPr lang="en-US" smtClean="0"/>
-              <a:t>4/15/2025</a:t>
+              <a:t>4/17/2025</a:t>
             </a:fld>
             <a:endParaRPr lang="en-US"/>
           </a:p>
@@ -846,7 +859,7 @@
             <a:fld id="{B61BEF0D-F0BB-DE4B-95CE-6DB70DBA9567}" type="datetimeFigureOut">
               <a:rPr lang="en-US" dirty="0"/>
               <a:pPr/>
-              <a:t>4/15/2025</a:t>
+              <a:t>4/17/2025</a:t>
             </a:fld>
             <a:endParaRPr lang="en-US" dirty="0"/>
           </a:p>
@@ -1177,7 +1190,7 @@
             <a:fld id="{B61BEF0D-F0BB-DE4B-95CE-6DB70DBA9567}" type="datetimeFigureOut">
               <a:rPr lang="en-US" dirty="0"/>
               <a:pPr/>
-              <a:t>4/15/2025</a:t>
+              <a:t>4/17/2025</a:t>
             </a:fld>
             <a:endParaRPr lang="en-US" dirty="0"/>
           </a:p>
@@ -1452,7 +1465,7 @@
             <a:fld id="{B61BEF0D-F0BB-DE4B-95CE-6DB70DBA9567}" type="datetimeFigureOut">
               <a:rPr lang="en-US" dirty="0"/>
               <a:pPr/>
-              <a:t>4/15/2025</a:t>
+              <a:t>4/17/2025</a:t>
             </a:fld>
             <a:endParaRPr lang="en-US" dirty="0"/>
           </a:p>
@@ -2017,7 +2030,7 @@
             <a:fld id="{B61BEF0D-F0BB-DE4B-95CE-6DB70DBA9567}" type="datetimeFigureOut">
               <a:rPr lang="en-US" dirty="0"/>
               <a:pPr/>
-              <a:t>4/15/2025</a:t>
+              <a:t>4/17/2025</a:t>
             </a:fld>
             <a:endParaRPr lang="en-US" dirty="0"/>
           </a:p>
@@ -2292,7 +2305,7 @@
             <a:fld id="{B61BEF0D-F0BB-DE4B-95CE-6DB70DBA9567}" type="datetimeFigureOut">
               <a:rPr lang="en-US" dirty="0"/>
               <a:pPr/>
-              <a:t>4/15/2025</a:t>
+              <a:t>4/17/2025</a:t>
             </a:fld>
             <a:endParaRPr lang="en-US" dirty="0"/>
           </a:p>
@@ -2851,7 +2864,7 @@
             <a:fld id="{B61BEF0D-F0BB-DE4B-95CE-6DB70DBA9567}" type="datetimeFigureOut">
               <a:rPr lang="en-US" dirty="0"/>
               <a:pPr/>
-              <a:t>4/15/2025</a:t>
+              <a:t>4/17/2025</a:t>
             </a:fld>
             <a:endParaRPr lang="en-US" dirty="0"/>
           </a:p>
@@ -3175,7 +3188,7 @@
             <a:fld id="{B61BEF0D-F0BB-DE4B-95CE-6DB70DBA9567}" type="datetimeFigureOut">
               <a:rPr lang="en-US" dirty="0"/>
               <a:pPr/>
-              <a:t>4/15/2025</a:t>
+              <a:t>4/17/2025</a:t>
             </a:fld>
             <a:endParaRPr lang="en-US" dirty="0"/>
           </a:p>
@@ -3349,7 +3362,7 @@
             <a:fld id="{B61BEF0D-F0BB-DE4B-95CE-6DB70DBA9567}" type="datetimeFigureOut">
               <a:rPr lang="en-US" dirty="0"/>
               <a:pPr/>
-              <a:t>4/15/2025</a:t>
+              <a:t>4/17/2025</a:t>
             </a:fld>
             <a:endParaRPr lang="en-US" dirty="0"/>
           </a:p>
@@ -3584,7 +3597,7 @@
             <a:fld id="{B61BEF0D-F0BB-DE4B-95CE-6DB70DBA9567}" type="datetimeFigureOut">
               <a:rPr lang="en-US" dirty="0"/>
               <a:pPr/>
-              <a:t>4/15/2025</a:t>
+              <a:t>4/17/2025</a:t>
             </a:fld>
             <a:endParaRPr lang="en-US" dirty="0"/>
           </a:p>
@@ -3781,7 +3794,7 @@
             <a:fld id="{B61BEF0D-F0BB-DE4B-95CE-6DB70DBA9567}" type="datetimeFigureOut">
               <a:rPr lang="en-US" dirty="0"/>
               <a:pPr/>
-              <a:t>4/15/2025</a:t>
+              <a:t>4/17/2025</a:t>
             </a:fld>
             <a:endParaRPr lang="en-US" dirty="0"/>
           </a:p>
@@ -4054,7 +4067,7 @@
             <a:fld id="{B61BEF0D-F0BB-DE4B-95CE-6DB70DBA9567}" type="datetimeFigureOut">
               <a:rPr lang="en-US" dirty="0"/>
               <a:pPr/>
-              <a:t>4/15/2025</a:t>
+              <a:t>4/17/2025</a:t>
             </a:fld>
             <a:endParaRPr lang="en-US" dirty="0"/>
           </a:p>
@@ -4317,7 +4330,7 @@
             <a:fld id="{B61BEF0D-F0BB-DE4B-95CE-6DB70DBA9567}" type="datetimeFigureOut">
               <a:rPr lang="en-US" dirty="0"/>
               <a:pPr/>
-              <a:t>4/15/2025</a:t>
+              <a:t>4/17/2025</a:t>
             </a:fld>
             <a:endParaRPr lang="en-US" dirty="0"/>
           </a:p>
@@ -4688,7 +4701,7 @@
             <a:fld id="{B61BEF0D-F0BB-DE4B-95CE-6DB70DBA9567}" type="datetimeFigureOut">
               <a:rPr lang="en-US" dirty="0"/>
               <a:pPr/>
-              <a:t>4/15/2025</a:t>
+              <a:t>4/17/2025</a:t>
             </a:fld>
             <a:endParaRPr lang="en-US" dirty="0"/>
           </a:p>
@@ -4833,7 +4846,7 @@
             <a:fld id="{B61BEF0D-F0BB-DE4B-95CE-6DB70DBA9567}" type="datetimeFigureOut">
               <a:rPr lang="en-US" dirty="0"/>
               <a:pPr/>
-              <a:t>4/15/2025</a:t>
+              <a:t>4/17/2025</a:t>
             </a:fld>
             <a:endParaRPr lang="en-US" dirty="0"/>
           </a:p>
@@ -4955,7 +4968,7 @@
             <a:fld id="{B61BEF0D-F0BB-DE4B-95CE-6DB70DBA9567}" type="datetimeFigureOut">
               <a:rPr lang="en-US" dirty="0"/>
               <a:pPr/>
-              <a:t>4/15/2025</a:t>
+              <a:t>4/17/2025</a:t>
             </a:fld>
             <a:endParaRPr lang="en-US" dirty="0"/>
           </a:p>
@@ -5237,7 +5250,7 @@
             <a:fld id="{B61BEF0D-F0BB-DE4B-95CE-6DB70DBA9567}" type="datetimeFigureOut">
               <a:rPr lang="en-US" dirty="0"/>
               <a:pPr/>
-              <a:t>4/15/2025</a:t>
+              <a:t>4/17/2025</a:t>
             </a:fld>
             <a:endParaRPr lang="en-US" dirty="0"/>
           </a:p>
@@ -5558,7 +5571,7 @@
             <a:fld id="{B61BEF0D-F0BB-DE4B-95CE-6DB70DBA9567}" type="datetimeFigureOut">
               <a:rPr lang="en-US" dirty="0"/>
               <a:pPr/>
-              <a:t>4/15/2025</a:t>
+              <a:t>4/17/2025</a:t>
             </a:fld>
             <a:endParaRPr lang="en-US" dirty="0"/>
           </a:p>
@@ -5769,7 +5782,7 @@
             <a:fld id="{B61BEF0D-F0BB-DE4B-95CE-6DB70DBA9567}" type="datetimeFigureOut">
               <a:rPr lang="en-US" dirty="0"/>
               <a:pPr/>
-              <a:t>4/15/2025</a:t>
+              <a:t>4/17/2025</a:t>
             </a:fld>
             <a:endParaRPr lang="en-US" dirty="0"/>
           </a:p>
@@ -13045,7 +13058,13 @@
   <p:cSld>
     <p:spTree>
       <p:nvGrpSpPr>
-        <p:cNvPr id="1" name=""/>
+        <p:cNvPr id="1" name="">
+          <a:extLst>
+            <a:ext uri="{FF2B5EF4-FFF2-40B4-BE49-F238E27FC236}">
+              <a16:creationId xmlns:a16="http://schemas.microsoft.com/office/drawing/2014/main" id="{E8969606-6F64-C751-595A-59587C95E1B7}"/>
+            </a:ext>
+          </a:extLst>
+        </p:cNvPr>
         <p:cNvGrpSpPr/>
         <p:nvPr/>
       </p:nvGrpSpPr>
@@ -13059,10 +13078,10 @@
       </p:grpSpPr>
       <p:sp>
         <p:nvSpPr>
-          <p:cNvPr id="2" name="Title 1">
-            <a:extLst>
-              <a:ext uri="{FF2B5EF4-FFF2-40B4-BE49-F238E27FC236}">
-                <a16:creationId xmlns:a16="http://schemas.microsoft.com/office/drawing/2014/main" id="{98499675-D221-953B-4423-FAAD11797DD1}"/>
+          <p:cNvPr id="4" name="Title 3">
+            <a:extLst>
+              <a:ext uri="{FF2B5EF4-FFF2-40B4-BE49-F238E27FC236}">
+                <a16:creationId xmlns:a16="http://schemas.microsoft.com/office/drawing/2014/main" id="{ECC44F2F-0142-672E-C560-246627CE2E6A}"/>
               </a:ext>
             </a:extLst>
           </p:cNvPr>
@@ -13073,44 +13092,55 @@
             <p:ph type="title"/>
           </p:nvPr>
         </p:nvSpPr>
-        <p:spPr/>
-        <p:txBody>
-          <a:bodyPr/>
-          <a:lstStyle/>
-          <a:p>
-            <a:endParaRPr lang="en-US"/>
-          </a:p>
-        </p:txBody>
-      </p:sp>
-      <p:sp>
-        <p:nvSpPr>
-          <p:cNvPr id="3" name="Content Placeholder 2">
-            <a:extLst>
-              <a:ext uri="{FF2B5EF4-FFF2-40B4-BE49-F238E27FC236}">
-                <a16:creationId xmlns:a16="http://schemas.microsoft.com/office/drawing/2014/main" id="{FA20C872-4163-3F26-0A2C-9C52579F8BFD}"/>
-              </a:ext>
-            </a:extLst>
-          </p:cNvPr>
-          <p:cNvSpPr>
-            <a:spLocks noGrp="1"/>
-          </p:cNvSpPr>
-          <p:nvPr>
-            <p:ph idx="1"/>
-          </p:nvPr>
-        </p:nvSpPr>
-        <p:spPr/>
-        <p:txBody>
-          <a:bodyPr/>
-          <a:lstStyle/>
-          <a:p>
-            <a:endParaRPr lang="en-US"/>
+        <p:spPr>
+          <a:xfrm>
+            <a:off x="810986" y="1392695"/>
+            <a:ext cx="10131427" cy="1468800"/>
+          </a:xfrm>
+        </p:spPr>
+        <p:txBody>
+          <a:bodyPr/>
+          <a:lstStyle/>
+          <a:p>
+            <a:r>
+              <a:rPr lang="en-US" dirty="0"/>
+              <a:t>State Design Pattern</a:t>
+            </a:r>
+          </a:p>
+        </p:txBody>
+      </p:sp>
+      <p:sp>
+        <p:nvSpPr>
+          <p:cNvPr id="5" name="Text Placeholder 4">
+            <a:extLst>
+              <a:ext uri="{FF2B5EF4-FFF2-40B4-BE49-F238E27FC236}">
+                <a16:creationId xmlns:a16="http://schemas.microsoft.com/office/drawing/2014/main" id="{B35C3CAC-C349-E21B-8F90-DC8D843C17AC}"/>
+              </a:ext>
+            </a:extLst>
+          </p:cNvPr>
+          <p:cNvSpPr>
+            <a:spLocks noGrp="1"/>
+          </p:cNvSpPr>
+          <p:nvPr>
+            <p:ph type="body" idx="1"/>
+          </p:nvPr>
+        </p:nvSpPr>
+        <p:spPr/>
+        <p:txBody>
+          <a:bodyPr/>
+          <a:lstStyle/>
+          <a:p>
+            <a:r>
+              <a:rPr lang="en-US" dirty="0"/>
+              <a:t>Making stuff with the things</a:t>
+            </a:r>
           </a:p>
         </p:txBody>
       </p:sp>
     </p:spTree>
     <p:extLst>
       <p:ext uri="{BB962C8B-B14F-4D97-AF65-F5344CB8AC3E}">
-        <p14:creationId xmlns:p14="http://schemas.microsoft.com/office/powerpoint/2010/main" val="4011890363"/>
+        <p14:creationId xmlns:p14="http://schemas.microsoft.com/office/powerpoint/2010/main" val="509765478"/>
       </p:ext>
     </p:extLst>
   </p:cSld>
@@ -13121,6 +13151,294 @@
 </file>
 
 <file path=ppt/slides/slide65.xml><?xml version="1.0" encoding="utf-8"?>
+<p:sld xmlns:a="http://schemas.openxmlformats.org/drawingml/2006/main" xmlns:r="http://schemas.openxmlformats.org/officeDocument/2006/relationships" xmlns:p="http://schemas.openxmlformats.org/presentationml/2006/main">
+  <p:cSld>
+    <p:spTree>
+      <p:nvGrpSpPr>
+        <p:cNvPr id="1" name="">
+          <a:extLst>
+            <a:ext uri="{FF2B5EF4-FFF2-40B4-BE49-F238E27FC236}">
+              <a16:creationId xmlns:a16="http://schemas.microsoft.com/office/drawing/2014/main" id="{CB0D2A36-75AD-8826-5AE5-C27DCC631462}"/>
+            </a:ext>
+          </a:extLst>
+        </p:cNvPr>
+        <p:cNvGrpSpPr/>
+        <p:nvPr/>
+      </p:nvGrpSpPr>
+      <p:grpSpPr>
+        <a:xfrm>
+          <a:off x="0" y="0"/>
+          <a:ext cx="0" cy="0"/>
+          <a:chOff x="0" y="0"/>
+          <a:chExt cx="0" cy="0"/>
+        </a:xfrm>
+      </p:grpSpPr>
+      <p:sp>
+        <p:nvSpPr>
+          <p:cNvPr id="2" name="Title 1">
+            <a:extLst>
+              <a:ext uri="{FF2B5EF4-FFF2-40B4-BE49-F238E27FC236}">
+                <a16:creationId xmlns:a16="http://schemas.microsoft.com/office/drawing/2014/main" id="{8BD1ABAE-EDEB-649B-DFEE-D5B5B13DDB8C}"/>
+              </a:ext>
+            </a:extLst>
+          </p:cNvPr>
+          <p:cNvSpPr>
+            <a:spLocks noGrp="1"/>
+          </p:cNvSpPr>
+          <p:nvPr>
+            <p:ph type="title"/>
+          </p:nvPr>
+        </p:nvSpPr>
+        <p:spPr/>
+        <p:txBody>
+          <a:bodyPr/>
+          <a:lstStyle/>
+          <a:p>
+            <a:r>
+              <a:rPr lang="en-US" dirty="0"/>
+              <a:t>State problem space</a:t>
+            </a:r>
+          </a:p>
+        </p:txBody>
+      </p:sp>
+      <p:sp>
+        <p:nvSpPr>
+          <p:cNvPr id="3" name="Text Placeholder 2">
+            <a:extLst>
+              <a:ext uri="{FF2B5EF4-FFF2-40B4-BE49-F238E27FC236}">
+                <a16:creationId xmlns:a16="http://schemas.microsoft.com/office/drawing/2014/main" id="{A15B6BCD-0C77-9EEB-8F11-F278BE171E15}"/>
+              </a:ext>
+            </a:extLst>
+          </p:cNvPr>
+          <p:cNvSpPr>
+            <a:spLocks noGrp="1"/>
+          </p:cNvSpPr>
+          <p:nvPr>
+            <p:ph type="body" idx="1"/>
+          </p:nvPr>
+        </p:nvSpPr>
+        <p:spPr/>
+        <p:txBody>
+          <a:bodyPr/>
+          <a:lstStyle/>
+          <a:p>
+            <a:endParaRPr lang="en-US" dirty="0"/>
+          </a:p>
+        </p:txBody>
+      </p:sp>
+    </p:spTree>
+    <p:extLst>
+      <p:ext uri="{BB962C8B-B14F-4D97-AF65-F5344CB8AC3E}">
+        <p14:creationId xmlns:p14="http://schemas.microsoft.com/office/powerpoint/2010/main" val="4022708281"/>
+      </p:ext>
+    </p:extLst>
+  </p:cSld>
+  <p:clrMapOvr>
+    <a:masterClrMapping/>
+  </p:clrMapOvr>
+</p:sld>
+</file>
+
+<file path=ppt/slides/slide66.xml><?xml version="1.0" encoding="utf-8"?>
+<p:sld xmlns:a="http://schemas.openxmlformats.org/drawingml/2006/main" xmlns:r="http://schemas.openxmlformats.org/officeDocument/2006/relationships" xmlns:p="http://schemas.openxmlformats.org/presentationml/2006/main">
+  <p:cSld>
+    <p:spTree>
+      <p:nvGrpSpPr>
+        <p:cNvPr id="1" name="">
+          <a:extLst>
+            <a:ext uri="{FF2B5EF4-FFF2-40B4-BE49-F238E27FC236}">
+              <a16:creationId xmlns:a16="http://schemas.microsoft.com/office/drawing/2014/main" id="{14107EDD-8C1A-7035-D5B4-E2088E8E4234}"/>
+            </a:ext>
+          </a:extLst>
+        </p:cNvPr>
+        <p:cNvGrpSpPr/>
+        <p:nvPr/>
+      </p:nvGrpSpPr>
+      <p:grpSpPr>
+        <a:xfrm>
+          <a:off x="0" y="0"/>
+          <a:ext cx="0" cy="0"/>
+          <a:chOff x="0" y="0"/>
+          <a:chExt cx="0" cy="0"/>
+        </a:xfrm>
+      </p:grpSpPr>
+      <p:sp>
+        <p:nvSpPr>
+          <p:cNvPr id="4" name="Title 3">
+            <a:extLst>
+              <a:ext uri="{FF2B5EF4-FFF2-40B4-BE49-F238E27FC236}">
+                <a16:creationId xmlns:a16="http://schemas.microsoft.com/office/drawing/2014/main" id="{50769460-FBDB-99B0-057B-C40AC689EC99}"/>
+              </a:ext>
+            </a:extLst>
+          </p:cNvPr>
+          <p:cNvSpPr>
+            <a:spLocks noGrp="1"/>
+          </p:cNvSpPr>
+          <p:nvPr>
+            <p:ph type="title"/>
+          </p:nvPr>
+        </p:nvSpPr>
+        <p:spPr/>
+        <p:txBody>
+          <a:bodyPr/>
+          <a:lstStyle/>
+          <a:p>
+            <a:r>
+              <a:rPr lang="en-US" dirty="0"/>
+              <a:t>What problems does State Pattern Help Solve?</a:t>
+            </a:r>
+          </a:p>
+        </p:txBody>
+      </p:sp>
+      <p:sp>
+        <p:nvSpPr>
+          <p:cNvPr id="5" name="Content Placeholder 4">
+            <a:extLst>
+              <a:ext uri="{FF2B5EF4-FFF2-40B4-BE49-F238E27FC236}">
+                <a16:creationId xmlns:a16="http://schemas.microsoft.com/office/drawing/2014/main" id="{996B8FB4-E13C-FA52-06C8-D89AC1DA5AE3}"/>
+              </a:ext>
+            </a:extLst>
+          </p:cNvPr>
+          <p:cNvSpPr>
+            <a:spLocks noGrp="1"/>
+          </p:cNvSpPr>
+          <p:nvPr>
+            <p:ph idx="1"/>
+          </p:nvPr>
+        </p:nvSpPr>
+        <p:spPr/>
+        <p:txBody>
+          <a:bodyPr/>
+          <a:lstStyle/>
+          <a:p>
+            <a:r>
+              <a:rPr lang="en-US" dirty="0"/>
+              <a:t>Creating a family </a:t>
+            </a:r>
+            <a:r>
+              <a:rPr lang="en-US"/>
+              <a:t>of algorithms.</a:t>
+            </a:r>
+          </a:p>
+          <a:p>
+            <a:pPr marL="0" indent="0">
+              <a:buNone/>
+            </a:pPr>
+            <a:endParaRPr lang="en-US" dirty="0"/>
+          </a:p>
+          <a:p>
+            <a:endParaRPr lang="en-US" dirty="0"/>
+          </a:p>
+        </p:txBody>
+      </p:sp>
+    </p:spTree>
+    <p:extLst>
+      <p:ext uri="{BB962C8B-B14F-4D97-AF65-F5344CB8AC3E}">
+        <p14:creationId xmlns:p14="http://schemas.microsoft.com/office/powerpoint/2010/main" val="1386899157"/>
+      </p:ext>
+    </p:extLst>
+  </p:cSld>
+  <p:clrMapOvr>
+    <a:masterClrMapping/>
+  </p:clrMapOvr>
+</p:sld>
+</file>
+
+<file path=ppt/slides/slide67.xml><?xml version="1.0" encoding="utf-8"?>
+<p:sld xmlns:a="http://schemas.openxmlformats.org/drawingml/2006/main" xmlns:r="http://schemas.openxmlformats.org/officeDocument/2006/relationships" xmlns:p="http://schemas.openxmlformats.org/presentationml/2006/main">
+  <p:cSld>
+    <p:spTree>
+      <p:nvGrpSpPr>
+        <p:cNvPr id="1" name="">
+          <a:extLst>
+            <a:ext uri="{FF2B5EF4-FFF2-40B4-BE49-F238E27FC236}">
+              <a16:creationId xmlns:a16="http://schemas.microsoft.com/office/drawing/2014/main" id="{0B78628C-A812-4A92-FF56-BBC38ADB19D4}"/>
+            </a:ext>
+          </a:extLst>
+        </p:cNvPr>
+        <p:cNvGrpSpPr/>
+        <p:nvPr/>
+      </p:nvGrpSpPr>
+      <p:grpSpPr>
+        <a:xfrm>
+          <a:off x="0" y="0"/>
+          <a:ext cx="0" cy="0"/>
+          <a:chOff x="0" y="0"/>
+          <a:chExt cx="0" cy="0"/>
+        </a:xfrm>
+      </p:grpSpPr>
+      <p:sp>
+        <p:nvSpPr>
+          <p:cNvPr id="2" name="Title 1">
+            <a:extLst>
+              <a:ext uri="{FF2B5EF4-FFF2-40B4-BE49-F238E27FC236}">
+                <a16:creationId xmlns:a16="http://schemas.microsoft.com/office/drawing/2014/main" id="{0334076D-DD39-0AC2-69BE-2A640A8209F5}"/>
+              </a:ext>
+            </a:extLst>
+          </p:cNvPr>
+          <p:cNvSpPr>
+            <a:spLocks noGrp="1"/>
+          </p:cNvSpPr>
+          <p:nvPr>
+            <p:ph type="title"/>
+          </p:nvPr>
+        </p:nvSpPr>
+        <p:spPr>
+          <a:xfrm>
+            <a:off x="685800" y="3139853"/>
+            <a:ext cx="10131427" cy="1468800"/>
+          </a:xfrm>
+        </p:spPr>
+        <p:txBody>
+          <a:bodyPr/>
+          <a:lstStyle/>
+          <a:p>
+            <a:r>
+              <a:rPr lang="en-US" dirty="0"/>
+              <a:t>State Pattern Defined</a:t>
+            </a:r>
+          </a:p>
+        </p:txBody>
+      </p:sp>
+      <p:sp>
+        <p:nvSpPr>
+          <p:cNvPr id="3" name="Text Placeholder 2">
+            <a:extLst>
+              <a:ext uri="{FF2B5EF4-FFF2-40B4-BE49-F238E27FC236}">
+                <a16:creationId xmlns:a16="http://schemas.microsoft.com/office/drawing/2014/main" id="{988A5E07-A0FB-AAE5-54B3-5C2FBFFAD39C}"/>
+              </a:ext>
+            </a:extLst>
+          </p:cNvPr>
+          <p:cNvSpPr>
+            <a:spLocks noGrp="1"/>
+          </p:cNvSpPr>
+          <p:nvPr>
+            <p:ph type="body" idx="1"/>
+          </p:nvPr>
+        </p:nvSpPr>
+        <p:spPr/>
+        <p:txBody>
+          <a:bodyPr/>
+          <a:lstStyle/>
+          <a:p>
+            <a:endParaRPr lang="en-US"/>
+          </a:p>
+        </p:txBody>
+      </p:sp>
+    </p:spTree>
+    <p:extLst>
+      <p:ext uri="{BB962C8B-B14F-4D97-AF65-F5344CB8AC3E}">
+        <p14:creationId xmlns:p14="http://schemas.microsoft.com/office/powerpoint/2010/main" val="3729892920"/>
+      </p:ext>
+    </p:extLst>
+  </p:cSld>
+  <p:clrMapOvr>
+    <a:masterClrMapping/>
+  </p:clrMapOvr>
+</p:sld>
+</file>
+
+<file path=ppt/slides/slide68.xml><?xml version="1.0" encoding="utf-8"?>
 <p:sld xmlns:a="http://schemas.openxmlformats.org/drawingml/2006/main" xmlns:r="http://schemas.openxmlformats.org/officeDocument/2006/relationships" xmlns:p="http://schemas.openxmlformats.org/presentationml/2006/main">
   <p:cSld>
     <p:spTree>
@@ -13166,17 +13484,45 @@
           <a:p>
             <a:r>
               <a:rPr lang="en-US" dirty="0"/>
-              <a:t>Gang of Four Definition</a:t>
+              <a:t>Definition</a:t>
+            </a:r>
+          </a:p>
+        </p:txBody>
+      </p:sp>
+      <p:sp>
+        <p:nvSpPr>
+          <p:cNvPr id="6" name="Text Placeholder 5">
+            <a:extLst>
+              <a:ext uri="{FF2B5EF4-FFF2-40B4-BE49-F238E27FC236}">
+                <a16:creationId xmlns:a16="http://schemas.microsoft.com/office/drawing/2014/main" id="{10F8F449-E89C-F518-B7FA-205220B851F1}"/>
+              </a:ext>
+            </a:extLst>
+          </p:cNvPr>
+          <p:cNvSpPr>
+            <a:spLocks noGrp="1"/>
+          </p:cNvSpPr>
+          <p:nvPr>
+            <p:ph type="body" sz="half" idx="2"/>
+          </p:nvPr>
+        </p:nvSpPr>
+        <p:spPr/>
+        <p:txBody>
+          <a:bodyPr/>
+          <a:lstStyle/>
+          <a:p>
+            <a:r>
+              <a:rPr lang="en-US" dirty="0"/>
+              <a:t>“The State Pattern allows an object to alter its behavior when its internal state changes. The object will appear to change its class.”</a:t>
             </a:r>
           </a:p>
         </p:txBody>
       </p:sp>
       <p:pic>
         <p:nvPicPr>
-          <p:cNvPr id="8" name="Content Placeholder 7">
-            <a:extLst>
-              <a:ext uri="{FF2B5EF4-FFF2-40B4-BE49-F238E27FC236}">
-                <a16:creationId xmlns:a16="http://schemas.microsoft.com/office/drawing/2014/main" id="{C10290A1-1755-D5BB-3775-E5BCEDD71F76}"/>
+          <p:cNvPr id="10" name="Content Placeholder 9">
+            <a:extLst>
+              <a:ext uri="{FF2B5EF4-FFF2-40B4-BE49-F238E27FC236}">
+                <a16:creationId xmlns:a16="http://schemas.microsoft.com/office/drawing/2014/main" id="{41981C67-AB97-0E56-22F9-779A51DE7553}"/>
               </a:ext>
             </a:extLst>
           </p:cNvPr>
@@ -13195,406 +13541,15 @@
         </p:blipFill>
         <p:spPr>
           <a:xfrm>
-            <a:off x="5135293" y="1725105"/>
-            <a:ext cx="5038835" cy="3044858"/>
+            <a:off x="4648200" y="1576138"/>
+            <a:ext cx="6980839" cy="2910104"/>
           </a:xfrm>
         </p:spPr>
       </p:pic>
-      <p:sp>
-        <p:nvSpPr>
-          <p:cNvPr id="6" name="Text Placeholder 5">
-            <a:extLst>
-              <a:ext uri="{FF2B5EF4-FFF2-40B4-BE49-F238E27FC236}">
-                <a16:creationId xmlns:a16="http://schemas.microsoft.com/office/drawing/2014/main" id="{10F8F449-E89C-F518-B7FA-205220B851F1}"/>
-              </a:ext>
-            </a:extLst>
-          </p:cNvPr>
-          <p:cNvSpPr>
-            <a:spLocks noGrp="1"/>
-          </p:cNvSpPr>
-          <p:nvPr>
-            <p:ph type="body" sz="half" idx="2"/>
-          </p:nvPr>
-        </p:nvSpPr>
-        <p:spPr/>
-        <p:txBody>
-          <a:bodyPr/>
-          <a:lstStyle/>
-          <a:p>
-            <a:r>
-              <a:rPr lang="en-US" dirty="0"/>
-              <a:t>“Ensure a class has only one instance and provide a global point of access to it.”</a:t>
-            </a:r>
-          </a:p>
-        </p:txBody>
-      </p:sp>
     </p:spTree>
     <p:extLst>
       <p:ext uri="{BB962C8B-B14F-4D97-AF65-F5344CB8AC3E}">
         <p14:creationId xmlns:p14="http://schemas.microsoft.com/office/powerpoint/2010/main" val="4238704847"/>
-      </p:ext>
-    </p:extLst>
-  </p:cSld>
-  <p:clrMapOvr>
-    <a:masterClrMapping/>
-  </p:clrMapOvr>
-</p:sld>
-</file>
-
-<file path=ppt/slides/slide66.xml><?xml version="1.0" encoding="utf-8"?>
-<p:sld xmlns:a="http://schemas.openxmlformats.org/drawingml/2006/main" xmlns:r="http://schemas.openxmlformats.org/officeDocument/2006/relationships" xmlns:p="http://schemas.openxmlformats.org/presentationml/2006/main">
-  <p:cSld>
-    <p:spTree>
-      <p:nvGrpSpPr>
-        <p:cNvPr id="1" name="">
-          <a:extLst>
-            <a:ext uri="{FF2B5EF4-FFF2-40B4-BE49-F238E27FC236}">
-              <a16:creationId xmlns:a16="http://schemas.microsoft.com/office/drawing/2014/main" id="{A2CB1C1C-960D-59E1-8686-AAAD4AD7451B}"/>
-            </a:ext>
-          </a:extLst>
-        </p:cNvPr>
-        <p:cNvGrpSpPr/>
-        <p:nvPr/>
-      </p:nvGrpSpPr>
-      <p:grpSpPr>
-        <a:xfrm>
-          <a:off x="0" y="0"/>
-          <a:ext cx="0" cy="0"/>
-          <a:chOff x="0" y="0"/>
-          <a:chExt cx="0" cy="0"/>
-        </a:xfrm>
-      </p:grpSpPr>
-      <p:sp>
-        <p:nvSpPr>
-          <p:cNvPr id="4" name="Title 3">
-            <a:extLst>
-              <a:ext uri="{FF2B5EF4-FFF2-40B4-BE49-F238E27FC236}">
-                <a16:creationId xmlns:a16="http://schemas.microsoft.com/office/drawing/2014/main" id="{7AE4EA03-5F7B-4A2E-8652-8694E1A9F456}"/>
-              </a:ext>
-            </a:extLst>
-          </p:cNvPr>
-          <p:cNvSpPr>
-            <a:spLocks noGrp="1"/>
-          </p:cNvSpPr>
-          <p:nvPr>
-            <p:ph type="title"/>
-          </p:nvPr>
-        </p:nvSpPr>
-        <p:spPr/>
-        <p:txBody>
-          <a:bodyPr/>
-          <a:lstStyle/>
-          <a:p>
-            <a:r>
-              <a:rPr lang="en-US" dirty="0"/>
-              <a:t>Gang of Four Definition</a:t>
-            </a:r>
-          </a:p>
-        </p:txBody>
-      </p:sp>
-      <p:pic>
-        <p:nvPicPr>
-          <p:cNvPr id="8" name="Content Placeholder 7">
-            <a:extLst>
-              <a:ext uri="{FF2B5EF4-FFF2-40B4-BE49-F238E27FC236}">
-                <a16:creationId xmlns:a16="http://schemas.microsoft.com/office/drawing/2014/main" id="{01D6DB0F-CF23-476F-39C1-21F48B16DF8C}"/>
-              </a:ext>
-            </a:extLst>
-          </p:cNvPr>
-          <p:cNvPicPr>
-            <a:picLocks noGrp="1" noChangeAspect="1"/>
-          </p:cNvPicPr>
-          <p:nvPr>
-            <p:ph idx="1"/>
-          </p:nvPr>
-        </p:nvPicPr>
-        <p:blipFill>
-          <a:blip r:embed="rId2"/>
-          <a:stretch>
-            <a:fillRect/>
-          </a:stretch>
-        </p:blipFill>
-        <p:spPr>
-          <a:xfrm>
-            <a:off x="5135293" y="1725105"/>
-            <a:ext cx="5038835" cy="3044858"/>
-          </a:xfrm>
-        </p:spPr>
-      </p:pic>
-      <p:sp>
-        <p:nvSpPr>
-          <p:cNvPr id="6" name="Text Placeholder 5">
-            <a:extLst>
-              <a:ext uri="{FF2B5EF4-FFF2-40B4-BE49-F238E27FC236}">
-                <a16:creationId xmlns:a16="http://schemas.microsoft.com/office/drawing/2014/main" id="{77CC809C-C3F9-7A0C-FDD3-3616A9327A6E}"/>
-              </a:ext>
-            </a:extLst>
-          </p:cNvPr>
-          <p:cNvSpPr>
-            <a:spLocks noGrp="1"/>
-          </p:cNvSpPr>
-          <p:nvPr>
-            <p:ph type="body" sz="half" idx="2"/>
-          </p:nvPr>
-        </p:nvSpPr>
-        <p:spPr/>
-        <p:txBody>
-          <a:bodyPr/>
-          <a:lstStyle/>
-          <a:p>
-            <a:r>
-              <a:rPr lang="en-US" dirty="0"/>
-              <a:t>“Ensure a class has only one instance and provide a global point of access to it.”</a:t>
-            </a:r>
-          </a:p>
-        </p:txBody>
-      </p:sp>
-    </p:spTree>
-    <p:extLst>
-      <p:ext uri="{BB962C8B-B14F-4D97-AF65-F5344CB8AC3E}">
-        <p14:creationId xmlns:p14="http://schemas.microsoft.com/office/powerpoint/2010/main" val="1059468137"/>
-      </p:ext>
-    </p:extLst>
-  </p:cSld>
-  <p:clrMapOvr>
-    <a:masterClrMapping/>
-  </p:clrMapOvr>
-</p:sld>
-</file>
-
-<file path=ppt/slides/slide67.xml><?xml version="1.0" encoding="utf-8"?>
-<p:sld xmlns:a="http://schemas.openxmlformats.org/drawingml/2006/main" xmlns:r="http://schemas.openxmlformats.org/officeDocument/2006/relationships" xmlns:p="http://schemas.openxmlformats.org/presentationml/2006/main">
-  <p:cSld>
-    <p:spTree>
-      <p:nvGrpSpPr>
-        <p:cNvPr id="1" name="">
-          <a:extLst>
-            <a:ext uri="{FF2B5EF4-FFF2-40B4-BE49-F238E27FC236}">
-              <a16:creationId xmlns:a16="http://schemas.microsoft.com/office/drawing/2014/main" id="{F8D2C211-AF30-1F13-3CAA-144816961047}"/>
-            </a:ext>
-          </a:extLst>
-        </p:cNvPr>
-        <p:cNvGrpSpPr/>
-        <p:nvPr/>
-      </p:nvGrpSpPr>
-      <p:grpSpPr>
-        <a:xfrm>
-          <a:off x="0" y="0"/>
-          <a:ext cx="0" cy="0"/>
-          <a:chOff x="0" y="0"/>
-          <a:chExt cx="0" cy="0"/>
-        </a:xfrm>
-      </p:grpSpPr>
-      <p:sp>
-        <p:nvSpPr>
-          <p:cNvPr id="4" name="Title 3">
-            <a:extLst>
-              <a:ext uri="{FF2B5EF4-FFF2-40B4-BE49-F238E27FC236}">
-                <a16:creationId xmlns:a16="http://schemas.microsoft.com/office/drawing/2014/main" id="{8D1270E8-A4F0-A261-03B3-75A34F24176C}"/>
-              </a:ext>
-            </a:extLst>
-          </p:cNvPr>
-          <p:cNvSpPr>
-            <a:spLocks noGrp="1"/>
-          </p:cNvSpPr>
-          <p:nvPr>
-            <p:ph type="title"/>
-          </p:nvPr>
-        </p:nvSpPr>
-        <p:spPr/>
-        <p:txBody>
-          <a:bodyPr/>
-          <a:lstStyle/>
-          <a:p>
-            <a:r>
-              <a:rPr lang="en-US" dirty="0"/>
-              <a:t>Gang of Four Definition</a:t>
-            </a:r>
-          </a:p>
-        </p:txBody>
-      </p:sp>
-      <p:pic>
-        <p:nvPicPr>
-          <p:cNvPr id="8" name="Content Placeholder 7">
-            <a:extLst>
-              <a:ext uri="{FF2B5EF4-FFF2-40B4-BE49-F238E27FC236}">
-                <a16:creationId xmlns:a16="http://schemas.microsoft.com/office/drawing/2014/main" id="{F1898F46-7593-9426-244A-3D89314D498F}"/>
-              </a:ext>
-            </a:extLst>
-          </p:cNvPr>
-          <p:cNvPicPr>
-            <a:picLocks noGrp="1" noChangeAspect="1"/>
-          </p:cNvPicPr>
-          <p:nvPr>
-            <p:ph idx="1"/>
-          </p:nvPr>
-        </p:nvPicPr>
-        <p:blipFill>
-          <a:blip r:embed="rId2"/>
-          <a:stretch>
-            <a:fillRect/>
-          </a:stretch>
-        </p:blipFill>
-        <p:spPr>
-          <a:xfrm>
-            <a:off x="5135293" y="1725105"/>
-            <a:ext cx="5038835" cy="3044858"/>
-          </a:xfrm>
-        </p:spPr>
-      </p:pic>
-      <p:sp>
-        <p:nvSpPr>
-          <p:cNvPr id="6" name="Text Placeholder 5">
-            <a:extLst>
-              <a:ext uri="{FF2B5EF4-FFF2-40B4-BE49-F238E27FC236}">
-                <a16:creationId xmlns:a16="http://schemas.microsoft.com/office/drawing/2014/main" id="{5CEDFB4A-15BF-68A5-A3C6-31EADBE0F9ED}"/>
-              </a:ext>
-            </a:extLst>
-          </p:cNvPr>
-          <p:cNvSpPr>
-            <a:spLocks noGrp="1"/>
-          </p:cNvSpPr>
-          <p:nvPr>
-            <p:ph type="body" sz="half" idx="2"/>
-          </p:nvPr>
-        </p:nvSpPr>
-        <p:spPr/>
-        <p:txBody>
-          <a:bodyPr/>
-          <a:lstStyle/>
-          <a:p>
-            <a:r>
-              <a:rPr lang="en-US" dirty="0"/>
-              <a:t>“Ensure a class has only one instance and provide a global point of access to it.”</a:t>
-            </a:r>
-          </a:p>
-        </p:txBody>
-      </p:sp>
-    </p:spTree>
-    <p:extLst>
-      <p:ext uri="{BB962C8B-B14F-4D97-AF65-F5344CB8AC3E}">
-        <p14:creationId xmlns:p14="http://schemas.microsoft.com/office/powerpoint/2010/main" val="2029323833"/>
-      </p:ext>
-    </p:extLst>
-  </p:cSld>
-  <p:clrMapOvr>
-    <a:masterClrMapping/>
-  </p:clrMapOvr>
-</p:sld>
-</file>
-
-<file path=ppt/slides/slide68.xml><?xml version="1.0" encoding="utf-8"?>
-<p:sld xmlns:a="http://schemas.openxmlformats.org/drawingml/2006/main" xmlns:r="http://schemas.openxmlformats.org/officeDocument/2006/relationships" xmlns:p="http://schemas.openxmlformats.org/presentationml/2006/main">
-  <p:cSld>
-    <p:spTree>
-      <p:nvGrpSpPr>
-        <p:cNvPr id="1" name="">
-          <a:extLst>
-            <a:ext uri="{FF2B5EF4-FFF2-40B4-BE49-F238E27FC236}">
-              <a16:creationId xmlns:a16="http://schemas.microsoft.com/office/drawing/2014/main" id="{6FC96246-82CD-D390-3594-783CA1ADC169}"/>
-            </a:ext>
-          </a:extLst>
-        </p:cNvPr>
-        <p:cNvGrpSpPr/>
-        <p:nvPr/>
-      </p:nvGrpSpPr>
-      <p:grpSpPr>
-        <a:xfrm>
-          <a:off x="0" y="0"/>
-          <a:ext cx="0" cy="0"/>
-          <a:chOff x="0" y="0"/>
-          <a:chExt cx="0" cy="0"/>
-        </a:xfrm>
-      </p:grpSpPr>
-      <p:sp>
-        <p:nvSpPr>
-          <p:cNvPr id="4" name="Title 3">
-            <a:extLst>
-              <a:ext uri="{FF2B5EF4-FFF2-40B4-BE49-F238E27FC236}">
-                <a16:creationId xmlns:a16="http://schemas.microsoft.com/office/drawing/2014/main" id="{AA517C70-673D-3424-7A23-8535DF58C9BC}"/>
-              </a:ext>
-            </a:extLst>
-          </p:cNvPr>
-          <p:cNvSpPr>
-            <a:spLocks noGrp="1"/>
-          </p:cNvSpPr>
-          <p:nvPr>
-            <p:ph type="title"/>
-          </p:nvPr>
-        </p:nvSpPr>
-        <p:spPr/>
-        <p:txBody>
-          <a:bodyPr/>
-          <a:lstStyle/>
-          <a:p>
-            <a:r>
-              <a:rPr lang="en-US" dirty="0"/>
-              <a:t>Gang of Four Definition</a:t>
-            </a:r>
-          </a:p>
-        </p:txBody>
-      </p:sp>
-      <p:pic>
-        <p:nvPicPr>
-          <p:cNvPr id="8" name="Content Placeholder 7">
-            <a:extLst>
-              <a:ext uri="{FF2B5EF4-FFF2-40B4-BE49-F238E27FC236}">
-                <a16:creationId xmlns:a16="http://schemas.microsoft.com/office/drawing/2014/main" id="{7005B0D3-7197-80BE-9801-26534ABF8357}"/>
-              </a:ext>
-            </a:extLst>
-          </p:cNvPr>
-          <p:cNvPicPr>
-            <a:picLocks noGrp="1" noChangeAspect="1"/>
-          </p:cNvPicPr>
-          <p:nvPr>
-            <p:ph idx="1"/>
-          </p:nvPr>
-        </p:nvPicPr>
-        <p:blipFill>
-          <a:blip r:embed="rId2"/>
-          <a:stretch>
-            <a:fillRect/>
-          </a:stretch>
-        </p:blipFill>
-        <p:spPr>
-          <a:xfrm>
-            <a:off x="5135293" y="1725105"/>
-            <a:ext cx="5038835" cy="3044858"/>
-          </a:xfrm>
-        </p:spPr>
-      </p:pic>
-      <p:sp>
-        <p:nvSpPr>
-          <p:cNvPr id="6" name="Text Placeholder 5">
-            <a:extLst>
-              <a:ext uri="{FF2B5EF4-FFF2-40B4-BE49-F238E27FC236}">
-                <a16:creationId xmlns:a16="http://schemas.microsoft.com/office/drawing/2014/main" id="{7EC6744B-CFA8-13FC-CAA4-E3DDC5679AD6}"/>
-              </a:ext>
-            </a:extLst>
-          </p:cNvPr>
-          <p:cNvSpPr>
-            <a:spLocks noGrp="1"/>
-          </p:cNvSpPr>
-          <p:nvPr>
-            <p:ph type="body" sz="half" idx="2"/>
-          </p:nvPr>
-        </p:nvSpPr>
-        <p:spPr/>
-        <p:txBody>
-          <a:bodyPr/>
-          <a:lstStyle/>
-          <a:p>
-            <a:r>
-              <a:rPr lang="en-US" dirty="0"/>
-              <a:t>“Ensure a class has only one instance and provide a global point of access to it.”</a:t>
-            </a:r>
-          </a:p>
-        </p:txBody>
-      </p:sp>
-    </p:spTree>
-    <p:extLst>
-      <p:ext uri="{BB962C8B-B14F-4D97-AF65-F5344CB8AC3E}">
-        <p14:creationId xmlns:p14="http://schemas.microsoft.com/office/powerpoint/2010/main" val="2290093892"/>
       </p:ext>
     </p:extLst>
   </p:cSld>
@@ -13612,7 +13567,7 @@
         <p:cNvPr id="1" name="">
           <a:extLst>
             <a:ext uri="{FF2B5EF4-FFF2-40B4-BE49-F238E27FC236}">
-              <a16:creationId xmlns:a16="http://schemas.microsoft.com/office/drawing/2014/main" id="{EC659FCD-DE9B-6AA3-28AA-666E17520F11}"/>
+              <a16:creationId xmlns:a16="http://schemas.microsoft.com/office/drawing/2014/main" id="{8491C41D-B601-B09F-FB1F-43A96ECCB7A2}"/>
             </a:ext>
           </a:extLst>
         </p:cNvPr>
@@ -13629,10 +13584,10 @@
       </p:grpSpPr>
       <p:sp>
         <p:nvSpPr>
-          <p:cNvPr id="4" name="Title 3">
-            <a:extLst>
-              <a:ext uri="{FF2B5EF4-FFF2-40B4-BE49-F238E27FC236}">
-                <a16:creationId xmlns:a16="http://schemas.microsoft.com/office/drawing/2014/main" id="{9637DBB9-549E-B3A4-A979-AEA05B2A2530}"/>
+          <p:cNvPr id="5" name="Title 4">
+            <a:extLst>
+              <a:ext uri="{FF2B5EF4-FFF2-40B4-BE49-F238E27FC236}">
+                <a16:creationId xmlns:a16="http://schemas.microsoft.com/office/drawing/2014/main" id="{8A5DFAC1-A83F-B916-042D-F8D0CF68CB78}"/>
               </a:ext>
             </a:extLst>
           </p:cNvPr>
@@ -13650,64 +13605,66 @@
           <a:p>
             <a:r>
               <a:rPr lang="en-US" dirty="0"/>
-              <a:t>Gang of Four Definition</a:t>
-            </a:r>
-          </a:p>
-        </p:txBody>
-      </p:sp>
-      <p:pic>
-        <p:nvPicPr>
-          <p:cNvPr id="8" name="Content Placeholder 7">
-            <a:extLst>
-              <a:ext uri="{FF2B5EF4-FFF2-40B4-BE49-F238E27FC236}">
-                <a16:creationId xmlns:a16="http://schemas.microsoft.com/office/drawing/2014/main" id="{EF56D02A-EA0D-7DF8-EF50-2404C62CE14A}"/>
-              </a:ext>
-            </a:extLst>
-          </p:cNvPr>
-          <p:cNvPicPr>
-            <a:picLocks noGrp="1" noChangeAspect="1"/>
-          </p:cNvPicPr>
+              <a:t>Attributes of a State Design Pattern</a:t>
+            </a:r>
+          </a:p>
+        </p:txBody>
+      </p:sp>
+      <p:sp>
+        <p:nvSpPr>
+          <p:cNvPr id="6" name="Content Placeholder 5">
+            <a:extLst>
+              <a:ext uri="{FF2B5EF4-FFF2-40B4-BE49-F238E27FC236}">
+                <a16:creationId xmlns:a16="http://schemas.microsoft.com/office/drawing/2014/main" id="{AADE8FF7-67E2-1320-EB26-4EF767A5055F}"/>
+              </a:ext>
+            </a:extLst>
+          </p:cNvPr>
+          <p:cNvSpPr>
+            <a:spLocks noGrp="1"/>
+          </p:cNvSpPr>
           <p:nvPr>
             <p:ph idx="1"/>
           </p:nvPr>
-        </p:nvPicPr>
-        <p:blipFill>
-          <a:blip r:embed="rId2"/>
-          <a:stretch>
-            <a:fillRect/>
-          </a:stretch>
-        </p:blipFill>
-        <p:spPr>
-          <a:xfrm>
-            <a:off x="5135293" y="1725105"/>
-            <a:ext cx="5038835" cy="3044858"/>
-          </a:xfrm>
-        </p:spPr>
-      </p:pic>
-      <p:sp>
-        <p:nvSpPr>
-          <p:cNvPr id="6" name="Text Placeholder 5">
-            <a:extLst>
-              <a:ext uri="{FF2B5EF4-FFF2-40B4-BE49-F238E27FC236}">
-                <a16:creationId xmlns:a16="http://schemas.microsoft.com/office/drawing/2014/main" id="{889035A3-8497-004B-987B-3CD962D98C39}"/>
-              </a:ext>
-            </a:extLst>
-          </p:cNvPr>
-          <p:cNvSpPr>
-            <a:spLocks noGrp="1"/>
-          </p:cNvSpPr>
-          <p:nvPr>
-            <p:ph type="body" sz="half" idx="2"/>
-          </p:nvPr>
-        </p:nvSpPr>
-        <p:spPr/>
-        <p:txBody>
-          <a:bodyPr/>
-          <a:lstStyle/>
-          <a:p>
-            <a:r>
-              <a:rPr lang="en-US" dirty="0"/>
-              <a:t>“Ensure a class has only one instance and provide a global point of access to it.”</a:t>
+        </p:nvSpPr>
+        <p:spPr/>
+        <p:txBody>
+          <a:bodyPr/>
+          <a:lstStyle/>
+          <a:p>
+            <a:pPr rtl="0"/>
+            <a:r>
+              <a:rPr lang="en-US" b="1" dirty="0"/>
+              <a:t>Context</a:t>
+            </a:r>
+            <a:r>
+              <a:rPr lang="en-US" dirty="0"/>
+              <a:t>: Maintains a reference to a State object representing the current state.</a:t>
+            </a:r>
+          </a:p>
+          <a:p>
+            <a:pPr rtl="0"/>
+            <a:r>
+              <a:rPr lang="en-US" b="1" dirty="0"/>
+              <a:t>State Interface/Abstract Class</a:t>
+            </a:r>
+            <a:r>
+              <a:rPr lang="en-US" dirty="0"/>
+              <a:t>: Defines a common interface for all concrete states.</a:t>
+            </a:r>
+          </a:p>
+          <a:p>
+            <a:pPr rtl="0"/>
+            <a:r>
+              <a:rPr lang="en-US" b="1" dirty="0" err="1"/>
+              <a:t>ConcreteState</a:t>
+            </a:r>
+            <a:r>
+              <a:rPr lang="en-US" b="1" dirty="0"/>
+              <a:t> Classes</a:t>
+            </a:r>
+            <a:r>
+              <a:rPr lang="en-US" dirty="0"/>
+              <a:t>: Implement state-specific behavior for each state.</a:t>
             </a:r>
           </a:p>
         </p:txBody>
@@ -13715,7 +13672,7 @@
     </p:spTree>
     <p:extLst>
       <p:ext uri="{BB962C8B-B14F-4D97-AF65-F5344CB8AC3E}">
-        <p14:creationId xmlns:p14="http://schemas.microsoft.com/office/powerpoint/2010/main" val="1497247469"/>
+        <p14:creationId xmlns:p14="http://schemas.microsoft.com/office/powerpoint/2010/main" val="1725305255"/>
       </p:ext>
     </p:extLst>
   </p:cSld>
@@ -13823,6 +13780,1127 @@
     <p:extLst>
       <p:ext uri="{BB962C8B-B14F-4D97-AF65-F5344CB8AC3E}">
         <p14:creationId xmlns:p14="http://schemas.microsoft.com/office/powerpoint/2010/main" val="1707009955"/>
+      </p:ext>
+    </p:extLst>
+  </p:cSld>
+  <p:clrMapOvr>
+    <a:masterClrMapping/>
+  </p:clrMapOvr>
+</p:sld>
+</file>
+
+<file path=ppt/slides/slide70.xml><?xml version="1.0" encoding="utf-8"?>
+<p:sld xmlns:a="http://schemas.openxmlformats.org/drawingml/2006/main" xmlns:r="http://schemas.openxmlformats.org/officeDocument/2006/relationships" xmlns:p="http://schemas.openxmlformats.org/presentationml/2006/main">
+  <p:cSld>
+    <p:spTree>
+      <p:nvGrpSpPr>
+        <p:cNvPr id="1" name="">
+          <a:extLst>
+            <a:ext uri="{FF2B5EF4-FFF2-40B4-BE49-F238E27FC236}">
+              <a16:creationId xmlns:a16="http://schemas.microsoft.com/office/drawing/2014/main" id="{D2339BB6-AF2F-923B-0C93-08205ED0851A}"/>
+            </a:ext>
+          </a:extLst>
+        </p:cNvPr>
+        <p:cNvGrpSpPr/>
+        <p:nvPr/>
+      </p:nvGrpSpPr>
+      <p:grpSpPr>
+        <a:xfrm>
+          <a:off x="0" y="0"/>
+          <a:ext cx="0" cy="0"/>
+          <a:chOff x="0" y="0"/>
+          <a:chExt cx="0" cy="0"/>
+        </a:xfrm>
+      </p:grpSpPr>
+      <p:sp>
+        <p:nvSpPr>
+          <p:cNvPr id="2" name="Title 1">
+            <a:extLst>
+              <a:ext uri="{FF2B5EF4-FFF2-40B4-BE49-F238E27FC236}">
+                <a16:creationId xmlns:a16="http://schemas.microsoft.com/office/drawing/2014/main" id="{85BD4239-C2CA-662C-8834-23D07324900C}"/>
+              </a:ext>
+            </a:extLst>
+          </p:cNvPr>
+          <p:cNvSpPr>
+            <a:spLocks noGrp="1"/>
+          </p:cNvSpPr>
+          <p:nvPr>
+            <p:ph type="title"/>
+          </p:nvPr>
+        </p:nvSpPr>
+        <p:spPr/>
+        <p:txBody>
+          <a:bodyPr/>
+          <a:lstStyle/>
+          <a:p>
+            <a:r>
+              <a:rPr lang="en-US" dirty="0"/>
+              <a:t>Benefits of a State Design Pattern</a:t>
+            </a:r>
+          </a:p>
+        </p:txBody>
+      </p:sp>
+      <p:sp>
+        <p:nvSpPr>
+          <p:cNvPr id="3" name="Content Placeholder 2">
+            <a:extLst>
+              <a:ext uri="{FF2B5EF4-FFF2-40B4-BE49-F238E27FC236}">
+                <a16:creationId xmlns:a16="http://schemas.microsoft.com/office/drawing/2014/main" id="{0136B6C3-E361-E86F-797A-D37009563BB1}"/>
+              </a:ext>
+            </a:extLst>
+          </p:cNvPr>
+          <p:cNvSpPr>
+            <a:spLocks noGrp="1"/>
+          </p:cNvSpPr>
+          <p:nvPr>
+            <p:ph idx="1"/>
+          </p:nvPr>
+        </p:nvSpPr>
+        <p:spPr/>
+        <p:txBody>
+          <a:bodyPr/>
+          <a:lstStyle/>
+          <a:p>
+            <a:pPr rtl="0"/>
+            <a:r>
+              <a:rPr lang="en-US" b="1" dirty="0"/>
+              <a:t>Modularity</a:t>
+            </a:r>
+            <a:r>
+              <a:rPr lang="en-US" dirty="0"/>
+              <a:t>: Encapsulates state-specific behavior in separate classes.</a:t>
+            </a:r>
+          </a:p>
+          <a:p>
+            <a:pPr rtl="0"/>
+            <a:r>
+              <a:rPr lang="en-US" b="1" dirty="0"/>
+              <a:t>Simplicity</a:t>
+            </a:r>
+            <a:r>
+              <a:rPr lang="en-US" dirty="0"/>
+              <a:t>: Eliminates large conditional statements in the Context.</a:t>
+            </a:r>
+          </a:p>
+          <a:p>
+            <a:r>
+              <a:rPr lang="en-US" b="1" dirty="0"/>
+              <a:t>Extensibility</a:t>
+            </a:r>
+            <a:r>
+              <a:rPr lang="en-US" dirty="0"/>
+              <a:t>: Easy to add new states without modifying Context.</a:t>
+            </a:r>
+            <a:r>
+              <a:rPr lang="en-US" b="1" dirty="0"/>
+              <a:t> </a:t>
+            </a:r>
+          </a:p>
+          <a:p>
+            <a:r>
+              <a:rPr lang="en-US" b="1" dirty="0"/>
+              <a:t>Explicit Transitions</a:t>
+            </a:r>
+            <a:r>
+              <a:rPr lang="en-US" dirty="0"/>
+              <a:t>: State changes are clear and controlled.</a:t>
+            </a:r>
+          </a:p>
+          <a:p>
+            <a:pPr rtl="0"/>
+            <a:endParaRPr lang="en-US" dirty="0"/>
+          </a:p>
+          <a:p>
+            <a:pPr marL="0" indent="0">
+              <a:buNone/>
+            </a:pPr>
+            <a:r>
+              <a:rPr lang="en-US" dirty="0"/>
+              <a:t>.</a:t>
+            </a:r>
+          </a:p>
+        </p:txBody>
+      </p:sp>
+    </p:spTree>
+    <p:extLst>
+      <p:ext uri="{BB962C8B-B14F-4D97-AF65-F5344CB8AC3E}">
+        <p14:creationId xmlns:p14="http://schemas.microsoft.com/office/powerpoint/2010/main" val="3937904853"/>
+      </p:ext>
+    </p:extLst>
+  </p:cSld>
+  <p:clrMapOvr>
+    <a:masterClrMapping/>
+  </p:clrMapOvr>
+</p:sld>
+</file>
+
+<file path=ppt/slides/slide71.xml><?xml version="1.0" encoding="utf-8"?>
+<p:sld xmlns:a="http://schemas.openxmlformats.org/drawingml/2006/main" xmlns:r="http://schemas.openxmlformats.org/officeDocument/2006/relationships" xmlns:p="http://schemas.openxmlformats.org/presentationml/2006/main">
+  <p:cSld>
+    <p:spTree>
+      <p:nvGrpSpPr>
+        <p:cNvPr id="1" name="">
+          <a:extLst>
+            <a:ext uri="{FF2B5EF4-FFF2-40B4-BE49-F238E27FC236}">
+              <a16:creationId xmlns:a16="http://schemas.microsoft.com/office/drawing/2014/main" id="{13F06DE0-DDA4-F915-8212-837C4E193D57}"/>
+            </a:ext>
+          </a:extLst>
+        </p:cNvPr>
+        <p:cNvGrpSpPr/>
+        <p:nvPr/>
+      </p:nvGrpSpPr>
+      <p:grpSpPr>
+        <a:xfrm>
+          <a:off x="0" y="0"/>
+          <a:ext cx="0" cy="0"/>
+          <a:chOff x="0" y="0"/>
+          <a:chExt cx="0" cy="0"/>
+        </a:xfrm>
+      </p:grpSpPr>
+      <p:sp>
+        <p:nvSpPr>
+          <p:cNvPr id="2" name="Title 1">
+            <a:extLst>
+              <a:ext uri="{FF2B5EF4-FFF2-40B4-BE49-F238E27FC236}">
+                <a16:creationId xmlns:a16="http://schemas.microsoft.com/office/drawing/2014/main" id="{C2C4E1BE-9F02-D07E-518F-BFDDFBDCDCED}"/>
+              </a:ext>
+            </a:extLst>
+          </p:cNvPr>
+          <p:cNvSpPr>
+            <a:spLocks noGrp="1"/>
+          </p:cNvSpPr>
+          <p:nvPr>
+            <p:ph type="title"/>
+          </p:nvPr>
+        </p:nvSpPr>
+        <p:spPr/>
+        <p:txBody>
+          <a:bodyPr/>
+          <a:lstStyle/>
+          <a:p>
+            <a:r>
+              <a:rPr lang="en-US" dirty="0"/>
+              <a:t>Down sides of A State Design Pattern</a:t>
+            </a:r>
+          </a:p>
+        </p:txBody>
+      </p:sp>
+      <p:sp>
+        <p:nvSpPr>
+          <p:cNvPr id="3" name="Content Placeholder 2">
+            <a:extLst>
+              <a:ext uri="{FF2B5EF4-FFF2-40B4-BE49-F238E27FC236}">
+                <a16:creationId xmlns:a16="http://schemas.microsoft.com/office/drawing/2014/main" id="{1299F40F-A065-F022-5F9F-851F806718A7}"/>
+              </a:ext>
+            </a:extLst>
+          </p:cNvPr>
+          <p:cNvSpPr>
+            <a:spLocks noGrp="1"/>
+          </p:cNvSpPr>
+          <p:nvPr>
+            <p:ph idx="1"/>
+          </p:nvPr>
+        </p:nvSpPr>
+        <p:spPr/>
+        <p:txBody>
+          <a:bodyPr/>
+          <a:lstStyle/>
+          <a:p>
+            <a:pPr rtl="0">
+              <a:buFont typeface="Arial" panose="020B0604020202020204" pitchFamily="34" charset="0"/>
+              <a:buChar char="•"/>
+            </a:pPr>
+            <a:r>
+              <a:rPr lang="en-US" b="1" dirty="0"/>
+              <a:t>Increased Classes</a:t>
+            </a:r>
+            <a:r>
+              <a:rPr lang="en-US" dirty="0"/>
+              <a:t>: Each state requires a </a:t>
+            </a:r>
+            <a:r>
+              <a:rPr lang="en-US" dirty="0" err="1"/>
+              <a:t>ConcreteState</a:t>
+            </a:r>
+            <a:r>
+              <a:rPr lang="en-US" dirty="0"/>
+              <a:t> class.</a:t>
+            </a:r>
+          </a:p>
+          <a:p>
+            <a:pPr rtl="0">
+              <a:buFont typeface="Arial" panose="020B0604020202020204" pitchFamily="34" charset="0"/>
+              <a:buChar char="•"/>
+            </a:pPr>
+            <a:r>
+              <a:rPr lang="en-US" b="1" dirty="0"/>
+              <a:t>Complexity</a:t>
+            </a:r>
+            <a:r>
+              <a:rPr lang="en-US" dirty="0"/>
+              <a:t>: May overcomplicate simple state-dependent behavior.</a:t>
+            </a:r>
+          </a:p>
+        </p:txBody>
+      </p:sp>
+    </p:spTree>
+    <p:extLst>
+      <p:ext uri="{BB962C8B-B14F-4D97-AF65-F5344CB8AC3E}">
+        <p14:creationId xmlns:p14="http://schemas.microsoft.com/office/powerpoint/2010/main" val="2413674749"/>
+      </p:ext>
+    </p:extLst>
+  </p:cSld>
+  <p:clrMapOvr>
+    <a:masterClrMapping/>
+  </p:clrMapOvr>
+</p:sld>
+</file>
+
+<file path=ppt/slides/slide72.xml><?xml version="1.0" encoding="utf-8"?>
+<p:sld xmlns:a="http://schemas.openxmlformats.org/drawingml/2006/main" xmlns:r="http://schemas.openxmlformats.org/officeDocument/2006/relationships" xmlns:p="http://schemas.openxmlformats.org/presentationml/2006/main">
+  <p:cSld>
+    <p:spTree>
+      <p:nvGrpSpPr>
+        <p:cNvPr id="1" name="">
+          <a:extLst>
+            <a:ext uri="{FF2B5EF4-FFF2-40B4-BE49-F238E27FC236}">
+              <a16:creationId xmlns:a16="http://schemas.microsoft.com/office/drawing/2014/main" id="{587223BB-D87D-1BB7-47D9-12EB9EE02253}"/>
+            </a:ext>
+          </a:extLst>
+        </p:cNvPr>
+        <p:cNvGrpSpPr/>
+        <p:nvPr/>
+      </p:nvGrpSpPr>
+      <p:grpSpPr>
+        <a:xfrm>
+          <a:off x="0" y="0"/>
+          <a:ext cx="0" cy="0"/>
+          <a:chOff x="0" y="0"/>
+          <a:chExt cx="0" cy="0"/>
+        </a:xfrm>
+      </p:grpSpPr>
+      <p:sp>
+        <p:nvSpPr>
+          <p:cNvPr id="2" name="Title 1">
+            <a:extLst>
+              <a:ext uri="{FF2B5EF4-FFF2-40B4-BE49-F238E27FC236}">
+                <a16:creationId xmlns:a16="http://schemas.microsoft.com/office/drawing/2014/main" id="{A5FF2DC9-459A-8B84-C5FA-CE1489FB806E}"/>
+              </a:ext>
+            </a:extLst>
+          </p:cNvPr>
+          <p:cNvSpPr>
+            <a:spLocks noGrp="1"/>
+          </p:cNvSpPr>
+          <p:nvPr>
+            <p:ph type="title"/>
+          </p:nvPr>
+        </p:nvSpPr>
+        <p:spPr/>
+        <p:txBody>
+          <a:bodyPr/>
+          <a:lstStyle/>
+          <a:p>
+            <a:r>
+              <a:rPr lang="en-US" dirty="0"/>
+              <a:t>Relationship to Solid</a:t>
+            </a:r>
+          </a:p>
+        </p:txBody>
+      </p:sp>
+      <p:sp>
+        <p:nvSpPr>
+          <p:cNvPr id="3" name="Text Placeholder 2">
+            <a:extLst>
+              <a:ext uri="{FF2B5EF4-FFF2-40B4-BE49-F238E27FC236}">
+                <a16:creationId xmlns:a16="http://schemas.microsoft.com/office/drawing/2014/main" id="{7F73949D-E4B0-2337-0F94-A08E0D5FA87D}"/>
+              </a:ext>
+            </a:extLst>
+          </p:cNvPr>
+          <p:cNvSpPr>
+            <a:spLocks noGrp="1"/>
+          </p:cNvSpPr>
+          <p:nvPr>
+            <p:ph type="body" idx="1"/>
+          </p:nvPr>
+        </p:nvSpPr>
+        <p:spPr/>
+        <p:txBody>
+          <a:bodyPr/>
+          <a:lstStyle/>
+          <a:p>
+            <a:r>
+              <a:rPr lang="en-US" dirty="0"/>
+              <a:t>State</a:t>
+            </a:r>
+          </a:p>
+        </p:txBody>
+      </p:sp>
+    </p:spTree>
+    <p:extLst>
+      <p:ext uri="{BB962C8B-B14F-4D97-AF65-F5344CB8AC3E}">
+        <p14:creationId xmlns:p14="http://schemas.microsoft.com/office/powerpoint/2010/main" val="1764964216"/>
+      </p:ext>
+    </p:extLst>
+  </p:cSld>
+  <p:clrMapOvr>
+    <a:masterClrMapping/>
+  </p:clrMapOvr>
+</p:sld>
+</file>
+
+<file path=ppt/slides/slide73.xml><?xml version="1.0" encoding="utf-8"?>
+<p:sld xmlns:a="http://schemas.openxmlformats.org/drawingml/2006/main" xmlns:r="http://schemas.openxmlformats.org/officeDocument/2006/relationships" xmlns:p="http://schemas.openxmlformats.org/presentationml/2006/main">
+  <p:cSld>
+    <p:spTree>
+      <p:nvGrpSpPr>
+        <p:cNvPr id="1" name="">
+          <a:extLst>
+            <a:ext uri="{FF2B5EF4-FFF2-40B4-BE49-F238E27FC236}">
+              <a16:creationId xmlns:a16="http://schemas.microsoft.com/office/drawing/2014/main" id="{AAB274BB-4CD9-7786-CA12-9F9A9BEA9C92}"/>
+            </a:ext>
+          </a:extLst>
+        </p:cNvPr>
+        <p:cNvGrpSpPr/>
+        <p:nvPr/>
+      </p:nvGrpSpPr>
+      <p:grpSpPr>
+        <a:xfrm>
+          <a:off x="0" y="0"/>
+          <a:ext cx="0" cy="0"/>
+          <a:chOff x="0" y="0"/>
+          <a:chExt cx="0" cy="0"/>
+        </a:xfrm>
+      </p:grpSpPr>
+      <p:sp>
+        <p:nvSpPr>
+          <p:cNvPr id="4" name="Title 3">
+            <a:extLst>
+              <a:ext uri="{FF2B5EF4-FFF2-40B4-BE49-F238E27FC236}">
+                <a16:creationId xmlns:a16="http://schemas.microsoft.com/office/drawing/2014/main" id="{8308875B-2A47-EAD5-DEBC-EF98E2DDE222}"/>
+              </a:ext>
+            </a:extLst>
+          </p:cNvPr>
+          <p:cNvSpPr>
+            <a:spLocks noGrp="1"/>
+          </p:cNvSpPr>
+          <p:nvPr>
+            <p:ph type="title"/>
+          </p:nvPr>
+        </p:nvSpPr>
+        <p:spPr/>
+        <p:txBody>
+          <a:bodyPr/>
+          <a:lstStyle/>
+          <a:p>
+            <a:r>
+              <a:rPr lang="en-US" dirty="0"/>
+              <a:t>State pattern and S.O.L.I.D.</a:t>
+            </a:r>
+          </a:p>
+        </p:txBody>
+      </p:sp>
+      <p:sp>
+        <p:nvSpPr>
+          <p:cNvPr id="5" name="Content Placeholder 4">
+            <a:extLst>
+              <a:ext uri="{FF2B5EF4-FFF2-40B4-BE49-F238E27FC236}">
+                <a16:creationId xmlns:a16="http://schemas.microsoft.com/office/drawing/2014/main" id="{5C07B93A-646D-FEE1-7380-24E227B979E0}"/>
+              </a:ext>
+            </a:extLst>
+          </p:cNvPr>
+          <p:cNvSpPr>
+            <a:spLocks noGrp="1"/>
+          </p:cNvSpPr>
+          <p:nvPr>
+            <p:ph idx="1"/>
+          </p:nvPr>
+        </p:nvSpPr>
+        <p:spPr/>
+        <p:txBody>
+          <a:bodyPr/>
+          <a:lstStyle/>
+          <a:p>
+            <a:r>
+              <a:rPr lang="en-US" dirty="0"/>
+              <a:t>S. Each Concrete class has a single responsibility (To handle the behavior for a specific state)</a:t>
+            </a:r>
+          </a:p>
+          <a:p>
+            <a:r>
+              <a:rPr lang="en-US" dirty="0"/>
+              <a:t>O. State Pattern is open to extension (by adding new concrete classes) and closed to modification by not necessitating changing other classes to implement the new state.</a:t>
+            </a:r>
+          </a:p>
+          <a:p>
+            <a:r>
+              <a:rPr lang="en-US" dirty="0"/>
+              <a:t>L. States must be interchangeable for one another because they fully must represent their individual state.</a:t>
+            </a:r>
+          </a:p>
+          <a:p>
+            <a:r>
+              <a:rPr lang="en-US" dirty="0"/>
+              <a:t>I.  The state interface requires an interface that only does what is required to handle the state and not force having nonessential functionality. </a:t>
+            </a:r>
+          </a:p>
+          <a:p>
+            <a:r>
+              <a:rPr lang="en-US" dirty="0"/>
+              <a:t>D. State can be injected into context and context is dependent on the interface not the concrete class. </a:t>
+            </a:r>
+          </a:p>
+        </p:txBody>
+      </p:sp>
+    </p:spTree>
+    <p:extLst>
+      <p:ext uri="{BB962C8B-B14F-4D97-AF65-F5344CB8AC3E}">
+        <p14:creationId xmlns:p14="http://schemas.microsoft.com/office/powerpoint/2010/main" val="2036898203"/>
+      </p:ext>
+    </p:extLst>
+  </p:cSld>
+  <p:clrMapOvr>
+    <a:masterClrMapping/>
+  </p:clrMapOvr>
+</p:sld>
+</file>
+
+<file path=ppt/slides/slide74.xml><?xml version="1.0" encoding="utf-8"?>
+<p:sld xmlns:a="http://schemas.openxmlformats.org/drawingml/2006/main" xmlns:r="http://schemas.openxmlformats.org/officeDocument/2006/relationships" xmlns:p="http://schemas.openxmlformats.org/presentationml/2006/main">
+  <p:cSld>
+    <p:spTree>
+      <p:nvGrpSpPr>
+        <p:cNvPr id="1" name="">
+          <a:extLst>
+            <a:ext uri="{FF2B5EF4-FFF2-40B4-BE49-F238E27FC236}">
+              <a16:creationId xmlns:a16="http://schemas.microsoft.com/office/drawing/2014/main" id="{0BDF8D88-92D2-6F9C-126B-3FBF53D13773}"/>
+            </a:ext>
+          </a:extLst>
+        </p:cNvPr>
+        <p:cNvGrpSpPr/>
+        <p:nvPr/>
+      </p:nvGrpSpPr>
+      <p:grpSpPr>
+        <a:xfrm>
+          <a:off x="0" y="0"/>
+          <a:ext cx="0" cy="0"/>
+          <a:chOff x="0" y="0"/>
+          <a:chExt cx="0" cy="0"/>
+        </a:xfrm>
+      </p:grpSpPr>
+      <p:sp>
+        <p:nvSpPr>
+          <p:cNvPr id="2" name="Title 1">
+            <a:extLst>
+              <a:ext uri="{FF2B5EF4-FFF2-40B4-BE49-F238E27FC236}">
+                <a16:creationId xmlns:a16="http://schemas.microsoft.com/office/drawing/2014/main" id="{B195AEFF-B62A-67F8-ABCD-8ABE91EA39D8}"/>
+              </a:ext>
+            </a:extLst>
+          </p:cNvPr>
+          <p:cNvSpPr>
+            <a:spLocks noGrp="1"/>
+          </p:cNvSpPr>
+          <p:nvPr>
+            <p:ph type="title"/>
+          </p:nvPr>
+        </p:nvSpPr>
+        <p:spPr/>
+        <p:txBody>
+          <a:bodyPr/>
+          <a:lstStyle/>
+          <a:p>
+            <a:r>
+              <a:rPr lang="en-US" dirty="0"/>
+              <a:t>Real World Scenarios</a:t>
+            </a:r>
+          </a:p>
+        </p:txBody>
+      </p:sp>
+      <p:sp>
+        <p:nvSpPr>
+          <p:cNvPr id="3" name="Text Placeholder 2">
+            <a:extLst>
+              <a:ext uri="{FF2B5EF4-FFF2-40B4-BE49-F238E27FC236}">
+                <a16:creationId xmlns:a16="http://schemas.microsoft.com/office/drawing/2014/main" id="{73289BE3-A9D5-4420-55A8-740E3E1EBBCA}"/>
+              </a:ext>
+            </a:extLst>
+          </p:cNvPr>
+          <p:cNvSpPr>
+            <a:spLocks noGrp="1"/>
+          </p:cNvSpPr>
+          <p:nvPr>
+            <p:ph type="body" idx="1"/>
+          </p:nvPr>
+        </p:nvSpPr>
+        <p:spPr>
+          <a:xfrm>
+            <a:off x="685799" y="4624981"/>
+            <a:ext cx="10131428" cy="860400"/>
+          </a:xfrm>
+        </p:spPr>
+        <p:txBody>
+          <a:bodyPr/>
+          <a:lstStyle/>
+          <a:p>
+            <a:r>
+              <a:rPr lang="en-US" dirty="0"/>
+              <a:t>State pattern</a:t>
+            </a:r>
+          </a:p>
+        </p:txBody>
+      </p:sp>
+    </p:spTree>
+    <p:extLst>
+      <p:ext uri="{BB962C8B-B14F-4D97-AF65-F5344CB8AC3E}">
+        <p14:creationId xmlns:p14="http://schemas.microsoft.com/office/powerpoint/2010/main" val="1507267373"/>
+      </p:ext>
+    </p:extLst>
+  </p:cSld>
+  <p:clrMapOvr>
+    <a:masterClrMapping/>
+  </p:clrMapOvr>
+</p:sld>
+</file>
+
+<file path=ppt/slides/slide75.xml><?xml version="1.0" encoding="utf-8"?>
+<p:sld xmlns:a="http://schemas.openxmlformats.org/drawingml/2006/main" xmlns:r="http://schemas.openxmlformats.org/officeDocument/2006/relationships" xmlns:p="http://schemas.openxmlformats.org/presentationml/2006/main">
+  <p:cSld>
+    <p:spTree>
+      <p:nvGrpSpPr>
+        <p:cNvPr id="1" name="">
+          <a:extLst>
+            <a:ext uri="{FF2B5EF4-FFF2-40B4-BE49-F238E27FC236}">
+              <a16:creationId xmlns:a16="http://schemas.microsoft.com/office/drawing/2014/main" id="{6D5194E9-A327-D7A0-AFF9-CE5C6353B55E}"/>
+            </a:ext>
+          </a:extLst>
+        </p:cNvPr>
+        <p:cNvGrpSpPr/>
+        <p:nvPr/>
+      </p:nvGrpSpPr>
+      <p:grpSpPr>
+        <a:xfrm>
+          <a:off x="0" y="0"/>
+          <a:ext cx="0" cy="0"/>
+          <a:chOff x="0" y="0"/>
+          <a:chExt cx="0" cy="0"/>
+        </a:xfrm>
+      </p:grpSpPr>
+      <p:sp>
+        <p:nvSpPr>
+          <p:cNvPr id="2" name="Title 1">
+            <a:extLst>
+              <a:ext uri="{FF2B5EF4-FFF2-40B4-BE49-F238E27FC236}">
+                <a16:creationId xmlns:a16="http://schemas.microsoft.com/office/drawing/2014/main" id="{163F27B8-C810-D715-3E8C-5717D501D515}"/>
+              </a:ext>
+            </a:extLst>
+          </p:cNvPr>
+          <p:cNvSpPr>
+            <a:spLocks noGrp="1"/>
+          </p:cNvSpPr>
+          <p:nvPr>
+            <p:ph type="title"/>
+          </p:nvPr>
+        </p:nvSpPr>
+        <p:spPr/>
+        <p:txBody>
+          <a:bodyPr/>
+          <a:lstStyle/>
+          <a:p>
+            <a:r>
+              <a:rPr lang="en-US" dirty="0"/>
+              <a:t>What are some Scenarios where The State Pattern Might be Useful? </a:t>
+            </a:r>
+          </a:p>
+        </p:txBody>
+      </p:sp>
+      <p:sp>
+        <p:nvSpPr>
+          <p:cNvPr id="3" name="Text Placeholder 2">
+            <a:extLst>
+              <a:ext uri="{FF2B5EF4-FFF2-40B4-BE49-F238E27FC236}">
+                <a16:creationId xmlns:a16="http://schemas.microsoft.com/office/drawing/2014/main" id="{63AD577D-7F9D-F1C7-7F61-069988530E74}"/>
+              </a:ext>
+            </a:extLst>
+          </p:cNvPr>
+          <p:cNvSpPr>
+            <a:spLocks noGrp="1"/>
+          </p:cNvSpPr>
+          <p:nvPr>
+            <p:ph type="body" idx="1"/>
+          </p:nvPr>
+        </p:nvSpPr>
+        <p:spPr/>
+        <p:txBody>
+          <a:bodyPr/>
+          <a:lstStyle/>
+          <a:p>
+            <a:endParaRPr lang="en-US"/>
+          </a:p>
+        </p:txBody>
+      </p:sp>
+    </p:spTree>
+    <p:extLst>
+      <p:ext uri="{BB962C8B-B14F-4D97-AF65-F5344CB8AC3E}">
+        <p14:creationId xmlns:p14="http://schemas.microsoft.com/office/powerpoint/2010/main" val="1549816698"/>
+      </p:ext>
+    </p:extLst>
+  </p:cSld>
+  <p:clrMapOvr>
+    <a:masterClrMapping/>
+  </p:clrMapOvr>
+</p:sld>
+</file>
+
+<file path=ppt/slides/slide76.xml><?xml version="1.0" encoding="utf-8"?>
+<p:sld xmlns:a="http://schemas.openxmlformats.org/drawingml/2006/main" xmlns:r="http://schemas.openxmlformats.org/officeDocument/2006/relationships" xmlns:p="http://schemas.openxmlformats.org/presentationml/2006/main">
+  <p:cSld>
+    <p:spTree>
+      <p:nvGrpSpPr>
+        <p:cNvPr id="1" name="">
+          <a:extLst>
+            <a:ext uri="{FF2B5EF4-FFF2-40B4-BE49-F238E27FC236}">
+              <a16:creationId xmlns:a16="http://schemas.microsoft.com/office/drawing/2014/main" id="{BFDF5304-A0C5-176F-1F3A-412AE60154D3}"/>
+            </a:ext>
+          </a:extLst>
+        </p:cNvPr>
+        <p:cNvGrpSpPr/>
+        <p:nvPr/>
+      </p:nvGrpSpPr>
+      <p:grpSpPr>
+        <a:xfrm>
+          <a:off x="0" y="0"/>
+          <a:ext cx="0" cy="0"/>
+          <a:chOff x="0" y="0"/>
+          <a:chExt cx="0" cy="0"/>
+        </a:xfrm>
+      </p:grpSpPr>
+      <p:sp>
+        <p:nvSpPr>
+          <p:cNvPr id="4" name="Title 3">
+            <a:extLst>
+              <a:ext uri="{FF2B5EF4-FFF2-40B4-BE49-F238E27FC236}">
+                <a16:creationId xmlns:a16="http://schemas.microsoft.com/office/drawing/2014/main" id="{BF1E0376-B87C-6693-FD7F-67B465E80163}"/>
+              </a:ext>
+            </a:extLst>
+          </p:cNvPr>
+          <p:cNvSpPr>
+            <a:spLocks noGrp="1"/>
+          </p:cNvSpPr>
+          <p:nvPr>
+            <p:ph type="title"/>
+          </p:nvPr>
+        </p:nvSpPr>
+        <p:spPr/>
+        <p:txBody>
+          <a:bodyPr/>
+          <a:lstStyle/>
+          <a:p>
+            <a:r>
+              <a:rPr lang="en-US" dirty="0"/>
+              <a:t>Scenarios where The State pattern is often Used</a:t>
+            </a:r>
+          </a:p>
+        </p:txBody>
+      </p:sp>
+      <p:sp>
+        <p:nvSpPr>
+          <p:cNvPr id="5" name="Content Placeholder 4">
+            <a:extLst>
+              <a:ext uri="{FF2B5EF4-FFF2-40B4-BE49-F238E27FC236}">
+                <a16:creationId xmlns:a16="http://schemas.microsoft.com/office/drawing/2014/main" id="{566EBE68-3191-D07C-65E6-2EF7D88C5A53}"/>
+              </a:ext>
+            </a:extLst>
+          </p:cNvPr>
+          <p:cNvSpPr>
+            <a:spLocks noGrp="1"/>
+          </p:cNvSpPr>
+          <p:nvPr>
+            <p:ph idx="1"/>
+          </p:nvPr>
+        </p:nvSpPr>
+        <p:spPr/>
+        <p:txBody>
+          <a:bodyPr/>
+          <a:lstStyle/>
+          <a:p>
+            <a:pPr rtl="0">
+              <a:buFont typeface="Arial" panose="020B0604020202020204" pitchFamily="34" charset="0"/>
+              <a:buChar char="•"/>
+            </a:pPr>
+            <a:r>
+              <a:rPr lang="en-US" dirty="0"/>
+              <a:t>Use when behavior depends on state and must change dynamically.</a:t>
+            </a:r>
+          </a:p>
+          <a:p>
+            <a:pPr rtl="0">
+              <a:buFont typeface="Arial" panose="020B0604020202020204" pitchFamily="34" charset="0"/>
+              <a:buChar char="•"/>
+            </a:pPr>
+            <a:r>
+              <a:rPr lang="en-US" dirty="0"/>
+              <a:t>Ideal for replacing complex state-based conditionals with polymorphism.</a:t>
+            </a:r>
+          </a:p>
+          <a:p>
+            <a:pPr rtl="0">
+              <a:buFont typeface="Arial" panose="020B0604020202020204" pitchFamily="34" charset="0"/>
+              <a:buChar char="•"/>
+            </a:pPr>
+            <a:r>
+              <a:rPr lang="en-US" dirty="0"/>
+              <a:t>Vending Machines</a:t>
+            </a:r>
+          </a:p>
+          <a:p>
+            <a:pPr rtl="0">
+              <a:buFont typeface="Arial" panose="020B0604020202020204" pitchFamily="34" charset="0"/>
+              <a:buChar char="•"/>
+            </a:pPr>
+            <a:r>
+              <a:rPr lang="en-US" dirty="0"/>
+              <a:t>Order Processing</a:t>
+            </a:r>
+          </a:p>
+          <a:p>
+            <a:pPr rtl="0">
+              <a:buFont typeface="Arial" panose="020B0604020202020204" pitchFamily="34" charset="0"/>
+              <a:buChar char="•"/>
+            </a:pPr>
+            <a:r>
+              <a:rPr lang="en-US" dirty="0"/>
+              <a:t>Traffic Light</a:t>
+            </a:r>
+          </a:p>
+          <a:p>
+            <a:pPr rtl="0">
+              <a:buFont typeface="Arial" panose="020B0604020202020204" pitchFamily="34" charset="0"/>
+              <a:buChar char="•"/>
+            </a:pPr>
+            <a:r>
+              <a:rPr lang="en-US" dirty="0"/>
+              <a:t>Game Characters</a:t>
+            </a:r>
+          </a:p>
+          <a:p>
+            <a:pPr marL="0" indent="0" rtl="0">
+              <a:buNone/>
+            </a:pPr>
+            <a:endParaRPr lang="en-US" dirty="0"/>
+          </a:p>
+          <a:p>
+            <a:pPr marL="0" indent="0">
+              <a:buNone/>
+            </a:pPr>
+            <a:endParaRPr lang="en-US" dirty="0"/>
+          </a:p>
+        </p:txBody>
+      </p:sp>
+    </p:spTree>
+    <p:extLst>
+      <p:ext uri="{BB962C8B-B14F-4D97-AF65-F5344CB8AC3E}">
+        <p14:creationId xmlns:p14="http://schemas.microsoft.com/office/powerpoint/2010/main" val="2757747834"/>
+      </p:ext>
+    </p:extLst>
+  </p:cSld>
+  <p:clrMapOvr>
+    <a:masterClrMapping/>
+  </p:clrMapOvr>
+</p:sld>
+</file>
+
+<file path=ppt/slides/slide77.xml><?xml version="1.0" encoding="utf-8"?>
+<p:sld xmlns:a="http://schemas.openxmlformats.org/drawingml/2006/main" xmlns:r="http://schemas.openxmlformats.org/officeDocument/2006/relationships" xmlns:p="http://schemas.openxmlformats.org/presentationml/2006/main">
+  <p:cSld>
+    <p:spTree>
+      <p:nvGrpSpPr>
+        <p:cNvPr id="1" name="">
+          <a:extLst>
+            <a:ext uri="{FF2B5EF4-FFF2-40B4-BE49-F238E27FC236}">
+              <a16:creationId xmlns:a16="http://schemas.microsoft.com/office/drawing/2014/main" id="{4BAC4E69-F2AD-D800-112E-26E5D03D178A}"/>
+            </a:ext>
+          </a:extLst>
+        </p:cNvPr>
+        <p:cNvGrpSpPr/>
+        <p:nvPr/>
+      </p:nvGrpSpPr>
+      <p:grpSpPr>
+        <a:xfrm>
+          <a:off x="0" y="0"/>
+          <a:ext cx="0" cy="0"/>
+          <a:chOff x="0" y="0"/>
+          <a:chExt cx="0" cy="0"/>
+        </a:xfrm>
+      </p:grpSpPr>
+      <p:sp>
+        <p:nvSpPr>
+          <p:cNvPr id="2" name="Title 1">
+            <a:extLst>
+              <a:ext uri="{FF2B5EF4-FFF2-40B4-BE49-F238E27FC236}">
+                <a16:creationId xmlns:a16="http://schemas.microsoft.com/office/drawing/2014/main" id="{FB985DEF-77DA-6D66-1BB0-27C00CBA3157}"/>
+              </a:ext>
+            </a:extLst>
+          </p:cNvPr>
+          <p:cNvSpPr>
+            <a:spLocks noGrp="1"/>
+          </p:cNvSpPr>
+          <p:nvPr>
+            <p:ph type="title"/>
+          </p:nvPr>
+        </p:nvSpPr>
+        <p:spPr/>
+        <p:txBody>
+          <a:bodyPr/>
+          <a:lstStyle/>
+          <a:p>
+            <a:r>
+              <a:rPr lang="en-US" dirty="0"/>
+              <a:t>Implementation</a:t>
+            </a:r>
+          </a:p>
+        </p:txBody>
+      </p:sp>
+      <p:sp>
+        <p:nvSpPr>
+          <p:cNvPr id="3" name="Text Placeholder 2">
+            <a:extLst>
+              <a:ext uri="{FF2B5EF4-FFF2-40B4-BE49-F238E27FC236}">
+                <a16:creationId xmlns:a16="http://schemas.microsoft.com/office/drawing/2014/main" id="{14AD2DFB-259D-FA8D-8F8C-EB44CD70E3B6}"/>
+              </a:ext>
+            </a:extLst>
+          </p:cNvPr>
+          <p:cNvSpPr>
+            <a:spLocks noGrp="1"/>
+          </p:cNvSpPr>
+          <p:nvPr>
+            <p:ph type="body" idx="1"/>
+          </p:nvPr>
+        </p:nvSpPr>
+        <p:spPr/>
+        <p:txBody>
+          <a:bodyPr/>
+          <a:lstStyle/>
+          <a:p>
+            <a:r>
+              <a:rPr lang="en-US" dirty="0"/>
+              <a:t>State Pattern</a:t>
+            </a:r>
+          </a:p>
+        </p:txBody>
+      </p:sp>
+    </p:spTree>
+    <p:extLst>
+      <p:ext uri="{BB962C8B-B14F-4D97-AF65-F5344CB8AC3E}">
+        <p14:creationId xmlns:p14="http://schemas.microsoft.com/office/powerpoint/2010/main" val="2932431515"/>
+      </p:ext>
+    </p:extLst>
+  </p:cSld>
+  <p:clrMapOvr>
+    <a:masterClrMapping/>
+  </p:clrMapOvr>
+</p:sld>
+</file>
+
+<file path=ppt/slides/slide78.xml><?xml version="1.0" encoding="utf-8"?>
+<p:sld xmlns:a="http://schemas.openxmlformats.org/drawingml/2006/main" xmlns:r="http://schemas.openxmlformats.org/officeDocument/2006/relationships" xmlns:p="http://schemas.openxmlformats.org/presentationml/2006/main">
+  <p:cSld>
+    <p:spTree>
+      <p:nvGrpSpPr>
+        <p:cNvPr id="1" name="">
+          <a:extLst>
+            <a:ext uri="{FF2B5EF4-FFF2-40B4-BE49-F238E27FC236}">
+              <a16:creationId xmlns:a16="http://schemas.microsoft.com/office/drawing/2014/main" id="{4AA66CEB-8EB3-22CE-2FDA-3D49353A9FB7}"/>
+            </a:ext>
+          </a:extLst>
+        </p:cNvPr>
+        <p:cNvGrpSpPr/>
+        <p:nvPr/>
+      </p:nvGrpSpPr>
+      <p:grpSpPr>
+        <a:xfrm>
+          <a:off x="0" y="0"/>
+          <a:ext cx="0" cy="0"/>
+          <a:chOff x="0" y="0"/>
+          <a:chExt cx="0" cy="0"/>
+        </a:xfrm>
+      </p:grpSpPr>
+      <p:sp>
+        <p:nvSpPr>
+          <p:cNvPr id="2" name="Title 1">
+            <a:extLst>
+              <a:ext uri="{FF2B5EF4-FFF2-40B4-BE49-F238E27FC236}">
+                <a16:creationId xmlns:a16="http://schemas.microsoft.com/office/drawing/2014/main" id="{C26F23D9-37B9-6DBB-35F9-90E2437AD857}"/>
+              </a:ext>
+            </a:extLst>
+          </p:cNvPr>
+          <p:cNvSpPr>
+            <a:spLocks noGrp="1"/>
+          </p:cNvSpPr>
+          <p:nvPr>
+            <p:ph type="title"/>
+          </p:nvPr>
+        </p:nvSpPr>
+        <p:spPr/>
+        <p:txBody>
+          <a:bodyPr/>
+          <a:lstStyle/>
+          <a:p>
+            <a:r>
+              <a:rPr lang="en-US" dirty="0"/>
+              <a:t>Implementing a State Pattern in Code</a:t>
+            </a:r>
+          </a:p>
+        </p:txBody>
+      </p:sp>
+      <p:sp>
+        <p:nvSpPr>
+          <p:cNvPr id="3" name="Text Placeholder 2">
+            <a:extLst>
+              <a:ext uri="{FF2B5EF4-FFF2-40B4-BE49-F238E27FC236}">
+                <a16:creationId xmlns:a16="http://schemas.microsoft.com/office/drawing/2014/main" id="{398A9412-9D92-F13C-DAC0-C76BC49CED50}"/>
+              </a:ext>
+            </a:extLst>
+          </p:cNvPr>
+          <p:cNvSpPr>
+            <a:spLocks noGrp="1"/>
+          </p:cNvSpPr>
+          <p:nvPr>
+            <p:ph type="body" idx="1"/>
+          </p:nvPr>
+        </p:nvSpPr>
+        <p:spPr/>
+        <p:txBody>
+          <a:bodyPr/>
+          <a:lstStyle/>
+          <a:p>
+            <a:endParaRPr lang="en-US"/>
+          </a:p>
+        </p:txBody>
+      </p:sp>
+    </p:spTree>
+    <p:extLst>
+      <p:ext uri="{BB962C8B-B14F-4D97-AF65-F5344CB8AC3E}">
+        <p14:creationId xmlns:p14="http://schemas.microsoft.com/office/powerpoint/2010/main" val="1462663059"/>
+      </p:ext>
+    </p:extLst>
+  </p:cSld>
+  <p:clrMapOvr>
+    <a:masterClrMapping/>
+  </p:clrMapOvr>
+</p:sld>
+</file>
+
+<file path=ppt/slides/slide79.xml><?xml version="1.0" encoding="utf-8"?>
+<p:sld xmlns:a="http://schemas.openxmlformats.org/drawingml/2006/main" xmlns:r="http://schemas.openxmlformats.org/officeDocument/2006/relationships" xmlns:p="http://schemas.openxmlformats.org/presentationml/2006/main">
+  <p:cSld>
+    <p:spTree>
+      <p:nvGrpSpPr>
+        <p:cNvPr id="1" name="">
+          <a:extLst>
+            <a:ext uri="{FF2B5EF4-FFF2-40B4-BE49-F238E27FC236}">
+              <a16:creationId xmlns:a16="http://schemas.microsoft.com/office/drawing/2014/main" id="{A2CB1C1C-960D-59E1-8686-AAAD4AD7451B}"/>
+            </a:ext>
+          </a:extLst>
+        </p:cNvPr>
+        <p:cNvGrpSpPr/>
+        <p:nvPr/>
+      </p:nvGrpSpPr>
+      <p:grpSpPr>
+        <a:xfrm>
+          <a:off x="0" y="0"/>
+          <a:ext cx="0" cy="0"/>
+          <a:chOff x="0" y="0"/>
+          <a:chExt cx="0" cy="0"/>
+        </a:xfrm>
+      </p:grpSpPr>
+      <p:sp>
+        <p:nvSpPr>
+          <p:cNvPr id="4" name="Title 3">
+            <a:extLst>
+              <a:ext uri="{FF2B5EF4-FFF2-40B4-BE49-F238E27FC236}">
+                <a16:creationId xmlns:a16="http://schemas.microsoft.com/office/drawing/2014/main" id="{7AE4EA03-5F7B-4A2E-8652-8694E1A9F456}"/>
+              </a:ext>
+            </a:extLst>
+          </p:cNvPr>
+          <p:cNvSpPr>
+            <a:spLocks noGrp="1"/>
+          </p:cNvSpPr>
+          <p:nvPr>
+            <p:ph type="title"/>
+          </p:nvPr>
+        </p:nvSpPr>
+        <p:spPr/>
+        <p:txBody>
+          <a:bodyPr/>
+          <a:lstStyle/>
+          <a:p>
+            <a:r>
+              <a:rPr lang="en-US" dirty="0"/>
+              <a:t>Gang of Four Definition</a:t>
+            </a:r>
+          </a:p>
+        </p:txBody>
+      </p:sp>
+      <p:pic>
+        <p:nvPicPr>
+          <p:cNvPr id="8" name="Content Placeholder 7">
+            <a:extLst>
+              <a:ext uri="{FF2B5EF4-FFF2-40B4-BE49-F238E27FC236}">
+                <a16:creationId xmlns:a16="http://schemas.microsoft.com/office/drawing/2014/main" id="{01D6DB0F-CF23-476F-39C1-21F48B16DF8C}"/>
+              </a:ext>
+            </a:extLst>
+          </p:cNvPr>
+          <p:cNvPicPr>
+            <a:picLocks noGrp="1" noChangeAspect="1"/>
+          </p:cNvPicPr>
+          <p:nvPr>
+            <p:ph idx="1"/>
+          </p:nvPr>
+        </p:nvPicPr>
+        <p:blipFill>
+          <a:blip r:embed="rId2"/>
+          <a:stretch>
+            <a:fillRect/>
+          </a:stretch>
+        </p:blipFill>
+        <p:spPr>
+          <a:xfrm>
+            <a:off x="5135293" y="1725105"/>
+            <a:ext cx="5038835" cy="3044858"/>
+          </a:xfrm>
+        </p:spPr>
+      </p:pic>
+      <p:sp>
+        <p:nvSpPr>
+          <p:cNvPr id="6" name="Text Placeholder 5">
+            <a:extLst>
+              <a:ext uri="{FF2B5EF4-FFF2-40B4-BE49-F238E27FC236}">
+                <a16:creationId xmlns:a16="http://schemas.microsoft.com/office/drawing/2014/main" id="{77CC809C-C3F9-7A0C-FDD3-3616A9327A6E}"/>
+              </a:ext>
+            </a:extLst>
+          </p:cNvPr>
+          <p:cNvSpPr>
+            <a:spLocks noGrp="1"/>
+          </p:cNvSpPr>
+          <p:nvPr>
+            <p:ph type="body" sz="half" idx="2"/>
+          </p:nvPr>
+        </p:nvSpPr>
+        <p:spPr/>
+        <p:txBody>
+          <a:bodyPr/>
+          <a:lstStyle/>
+          <a:p>
+            <a:r>
+              <a:rPr lang="en-US" dirty="0"/>
+              <a:t>“Ensure a class has only one instance and provide a global point of access to it.”</a:t>
+            </a:r>
+          </a:p>
+        </p:txBody>
+      </p:sp>
+    </p:spTree>
+    <p:extLst>
+      <p:ext uri="{BB962C8B-B14F-4D97-AF65-F5344CB8AC3E}">
+        <p14:creationId xmlns:p14="http://schemas.microsoft.com/office/powerpoint/2010/main" val="1059468137"/>
       </p:ext>
     </p:extLst>
   </p:cSld>
@@ -13912,6 +14990,369 @@
     <p:extLst>
       <p:ext uri="{BB962C8B-B14F-4D97-AF65-F5344CB8AC3E}">
         <p14:creationId xmlns:p14="http://schemas.microsoft.com/office/powerpoint/2010/main" val="2784765068"/>
+      </p:ext>
+    </p:extLst>
+  </p:cSld>
+  <p:clrMapOvr>
+    <a:masterClrMapping/>
+  </p:clrMapOvr>
+</p:sld>
+</file>
+
+<file path=ppt/slides/slide80.xml><?xml version="1.0" encoding="utf-8"?>
+<p:sld xmlns:a="http://schemas.openxmlformats.org/drawingml/2006/main" xmlns:r="http://schemas.openxmlformats.org/officeDocument/2006/relationships" xmlns:p="http://schemas.openxmlformats.org/presentationml/2006/main">
+  <p:cSld>
+    <p:spTree>
+      <p:nvGrpSpPr>
+        <p:cNvPr id="1" name="">
+          <a:extLst>
+            <a:ext uri="{FF2B5EF4-FFF2-40B4-BE49-F238E27FC236}">
+              <a16:creationId xmlns:a16="http://schemas.microsoft.com/office/drawing/2014/main" id="{F8D2C211-AF30-1F13-3CAA-144816961047}"/>
+            </a:ext>
+          </a:extLst>
+        </p:cNvPr>
+        <p:cNvGrpSpPr/>
+        <p:nvPr/>
+      </p:nvGrpSpPr>
+      <p:grpSpPr>
+        <a:xfrm>
+          <a:off x="0" y="0"/>
+          <a:ext cx="0" cy="0"/>
+          <a:chOff x="0" y="0"/>
+          <a:chExt cx="0" cy="0"/>
+        </a:xfrm>
+      </p:grpSpPr>
+      <p:sp>
+        <p:nvSpPr>
+          <p:cNvPr id="4" name="Title 3">
+            <a:extLst>
+              <a:ext uri="{FF2B5EF4-FFF2-40B4-BE49-F238E27FC236}">
+                <a16:creationId xmlns:a16="http://schemas.microsoft.com/office/drawing/2014/main" id="{8D1270E8-A4F0-A261-03B3-75A34F24176C}"/>
+              </a:ext>
+            </a:extLst>
+          </p:cNvPr>
+          <p:cNvSpPr>
+            <a:spLocks noGrp="1"/>
+          </p:cNvSpPr>
+          <p:nvPr>
+            <p:ph type="title"/>
+          </p:nvPr>
+        </p:nvSpPr>
+        <p:spPr/>
+        <p:txBody>
+          <a:bodyPr/>
+          <a:lstStyle/>
+          <a:p>
+            <a:r>
+              <a:rPr lang="en-US" dirty="0"/>
+              <a:t>Gang of Four Definition</a:t>
+            </a:r>
+          </a:p>
+        </p:txBody>
+      </p:sp>
+      <p:pic>
+        <p:nvPicPr>
+          <p:cNvPr id="8" name="Content Placeholder 7">
+            <a:extLst>
+              <a:ext uri="{FF2B5EF4-FFF2-40B4-BE49-F238E27FC236}">
+                <a16:creationId xmlns:a16="http://schemas.microsoft.com/office/drawing/2014/main" id="{F1898F46-7593-9426-244A-3D89314D498F}"/>
+              </a:ext>
+            </a:extLst>
+          </p:cNvPr>
+          <p:cNvPicPr>
+            <a:picLocks noGrp="1" noChangeAspect="1"/>
+          </p:cNvPicPr>
+          <p:nvPr>
+            <p:ph idx="1"/>
+          </p:nvPr>
+        </p:nvPicPr>
+        <p:blipFill>
+          <a:blip r:embed="rId2"/>
+          <a:stretch>
+            <a:fillRect/>
+          </a:stretch>
+        </p:blipFill>
+        <p:spPr>
+          <a:xfrm>
+            <a:off x="5135293" y="1725105"/>
+            <a:ext cx="5038835" cy="3044858"/>
+          </a:xfrm>
+        </p:spPr>
+      </p:pic>
+      <p:sp>
+        <p:nvSpPr>
+          <p:cNvPr id="6" name="Text Placeholder 5">
+            <a:extLst>
+              <a:ext uri="{FF2B5EF4-FFF2-40B4-BE49-F238E27FC236}">
+                <a16:creationId xmlns:a16="http://schemas.microsoft.com/office/drawing/2014/main" id="{5CEDFB4A-15BF-68A5-A3C6-31EADBE0F9ED}"/>
+              </a:ext>
+            </a:extLst>
+          </p:cNvPr>
+          <p:cNvSpPr>
+            <a:spLocks noGrp="1"/>
+          </p:cNvSpPr>
+          <p:nvPr>
+            <p:ph type="body" sz="half" idx="2"/>
+          </p:nvPr>
+        </p:nvSpPr>
+        <p:spPr/>
+        <p:txBody>
+          <a:bodyPr/>
+          <a:lstStyle/>
+          <a:p>
+            <a:r>
+              <a:rPr lang="en-US" dirty="0"/>
+              <a:t>“Ensure a class has only one instance and provide a global point of access to it.”</a:t>
+            </a:r>
+          </a:p>
+        </p:txBody>
+      </p:sp>
+    </p:spTree>
+    <p:extLst>
+      <p:ext uri="{BB962C8B-B14F-4D97-AF65-F5344CB8AC3E}">
+        <p14:creationId xmlns:p14="http://schemas.microsoft.com/office/powerpoint/2010/main" val="2029323833"/>
+      </p:ext>
+    </p:extLst>
+  </p:cSld>
+  <p:clrMapOvr>
+    <a:masterClrMapping/>
+  </p:clrMapOvr>
+</p:sld>
+</file>
+
+<file path=ppt/slides/slide81.xml><?xml version="1.0" encoding="utf-8"?>
+<p:sld xmlns:a="http://schemas.openxmlformats.org/drawingml/2006/main" xmlns:r="http://schemas.openxmlformats.org/officeDocument/2006/relationships" xmlns:p="http://schemas.openxmlformats.org/presentationml/2006/main">
+  <p:cSld>
+    <p:spTree>
+      <p:nvGrpSpPr>
+        <p:cNvPr id="1" name="">
+          <a:extLst>
+            <a:ext uri="{FF2B5EF4-FFF2-40B4-BE49-F238E27FC236}">
+              <a16:creationId xmlns:a16="http://schemas.microsoft.com/office/drawing/2014/main" id="{6FC96246-82CD-D390-3594-783CA1ADC169}"/>
+            </a:ext>
+          </a:extLst>
+        </p:cNvPr>
+        <p:cNvGrpSpPr/>
+        <p:nvPr/>
+      </p:nvGrpSpPr>
+      <p:grpSpPr>
+        <a:xfrm>
+          <a:off x="0" y="0"/>
+          <a:ext cx="0" cy="0"/>
+          <a:chOff x="0" y="0"/>
+          <a:chExt cx="0" cy="0"/>
+        </a:xfrm>
+      </p:grpSpPr>
+      <p:sp>
+        <p:nvSpPr>
+          <p:cNvPr id="4" name="Title 3">
+            <a:extLst>
+              <a:ext uri="{FF2B5EF4-FFF2-40B4-BE49-F238E27FC236}">
+                <a16:creationId xmlns:a16="http://schemas.microsoft.com/office/drawing/2014/main" id="{AA517C70-673D-3424-7A23-8535DF58C9BC}"/>
+              </a:ext>
+            </a:extLst>
+          </p:cNvPr>
+          <p:cNvSpPr>
+            <a:spLocks noGrp="1"/>
+          </p:cNvSpPr>
+          <p:nvPr>
+            <p:ph type="title"/>
+          </p:nvPr>
+        </p:nvSpPr>
+        <p:spPr/>
+        <p:txBody>
+          <a:bodyPr/>
+          <a:lstStyle/>
+          <a:p>
+            <a:r>
+              <a:rPr lang="en-US" dirty="0"/>
+              <a:t>Gang of Four Definition</a:t>
+            </a:r>
+          </a:p>
+        </p:txBody>
+      </p:sp>
+      <p:pic>
+        <p:nvPicPr>
+          <p:cNvPr id="8" name="Content Placeholder 7">
+            <a:extLst>
+              <a:ext uri="{FF2B5EF4-FFF2-40B4-BE49-F238E27FC236}">
+                <a16:creationId xmlns:a16="http://schemas.microsoft.com/office/drawing/2014/main" id="{7005B0D3-7197-80BE-9801-26534ABF8357}"/>
+              </a:ext>
+            </a:extLst>
+          </p:cNvPr>
+          <p:cNvPicPr>
+            <a:picLocks noGrp="1" noChangeAspect="1"/>
+          </p:cNvPicPr>
+          <p:nvPr>
+            <p:ph idx="1"/>
+          </p:nvPr>
+        </p:nvPicPr>
+        <p:blipFill>
+          <a:blip r:embed="rId2"/>
+          <a:stretch>
+            <a:fillRect/>
+          </a:stretch>
+        </p:blipFill>
+        <p:spPr>
+          <a:xfrm>
+            <a:off x="5135293" y="1725105"/>
+            <a:ext cx="5038835" cy="3044858"/>
+          </a:xfrm>
+        </p:spPr>
+      </p:pic>
+      <p:sp>
+        <p:nvSpPr>
+          <p:cNvPr id="6" name="Text Placeholder 5">
+            <a:extLst>
+              <a:ext uri="{FF2B5EF4-FFF2-40B4-BE49-F238E27FC236}">
+                <a16:creationId xmlns:a16="http://schemas.microsoft.com/office/drawing/2014/main" id="{7EC6744B-CFA8-13FC-CAA4-E3DDC5679AD6}"/>
+              </a:ext>
+            </a:extLst>
+          </p:cNvPr>
+          <p:cNvSpPr>
+            <a:spLocks noGrp="1"/>
+          </p:cNvSpPr>
+          <p:nvPr>
+            <p:ph type="body" sz="half" idx="2"/>
+          </p:nvPr>
+        </p:nvSpPr>
+        <p:spPr/>
+        <p:txBody>
+          <a:bodyPr/>
+          <a:lstStyle/>
+          <a:p>
+            <a:r>
+              <a:rPr lang="en-US" dirty="0"/>
+              <a:t>“Ensure a class has only one instance and provide a global point of access to it.”</a:t>
+            </a:r>
+          </a:p>
+        </p:txBody>
+      </p:sp>
+    </p:spTree>
+    <p:extLst>
+      <p:ext uri="{BB962C8B-B14F-4D97-AF65-F5344CB8AC3E}">
+        <p14:creationId xmlns:p14="http://schemas.microsoft.com/office/powerpoint/2010/main" val="2290093892"/>
+      </p:ext>
+    </p:extLst>
+  </p:cSld>
+  <p:clrMapOvr>
+    <a:masterClrMapping/>
+  </p:clrMapOvr>
+</p:sld>
+</file>
+
+<file path=ppt/slides/slide82.xml><?xml version="1.0" encoding="utf-8"?>
+<p:sld xmlns:a="http://schemas.openxmlformats.org/drawingml/2006/main" xmlns:r="http://schemas.openxmlformats.org/officeDocument/2006/relationships" xmlns:p="http://schemas.openxmlformats.org/presentationml/2006/main">
+  <p:cSld>
+    <p:spTree>
+      <p:nvGrpSpPr>
+        <p:cNvPr id="1" name="">
+          <a:extLst>
+            <a:ext uri="{FF2B5EF4-FFF2-40B4-BE49-F238E27FC236}">
+              <a16:creationId xmlns:a16="http://schemas.microsoft.com/office/drawing/2014/main" id="{EC659FCD-DE9B-6AA3-28AA-666E17520F11}"/>
+            </a:ext>
+          </a:extLst>
+        </p:cNvPr>
+        <p:cNvGrpSpPr/>
+        <p:nvPr/>
+      </p:nvGrpSpPr>
+      <p:grpSpPr>
+        <a:xfrm>
+          <a:off x="0" y="0"/>
+          <a:ext cx="0" cy="0"/>
+          <a:chOff x="0" y="0"/>
+          <a:chExt cx="0" cy="0"/>
+        </a:xfrm>
+      </p:grpSpPr>
+      <p:sp>
+        <p:nvSpPr>
+          <p:cNvPr id="4" name="Title 3">
+            <a:extLst>
+              <a:ext uri="{FF2B5EF4-FFF2-40B4-BE49-F238E27FC236}">
+                <a16:creationId xmlns:a16="http://schemas.microsoft.com/office/drawing/2014/main" id="{9637DBB9-549E-B3A4-A979-AEA05B2A2530}"/>
+              </a:ext>
+            </a:extLst>
+          </p:cNvPr>
+          <p:cNvSpPr>
+            <a:spLocks noGrp="1"/>
+          </p:cNvSpPr>
+          <p:nvPr>
+            <p:ph type="title"/>
+          </p:nvPr>
+        </p:nvSpPr>
+        <p:spPr/>
+        <p:txBody>
+          <a:bodyPr/>
+          <a:lstStyle/>
+          <a:p>
+            <a:r>
+              <a:rPr lang="en-US" dirty="0"/>
+              <a:t>Gang of Four Definition</a:t>
+            </a:r>
+          </a:p>
+        </p:txBody>
+      </p:sp>
+      <p:pic>
+        <p:nvPicPr>
+          <p:cNvPr id="8" name="Content Placeholder 7">
+            <a:extLst>
+              <a:ext uri="{FF2B5EF4-FFF2-40B4-BE49-F238E27FC236}">
+                <a16:creationId xmlns:a16="http://schemas.microsoft.com/office/drawing/2014/main" id="{EF56D02A-EA0D-7DF8-EF50-2404C62CE14A}"/>
+              </a:ext>
+            </a:extLst>
+          </p:cNvPr>
+          <p:cNvPicPr>
+            <a:picLocks noGrp="1" noChangeAspect="1"/>
+          </p:cNvPicPr>
+          <p:nvPr>
+            <p:ph idx="1"/>
+          </p:nvPr>
+        </p:nvPicPr>
+        <p:blipFill>
+          <a:blip r:embed="rId2"/>
+          <a:stretch>
+            <a:fillRect/>
+          </a:stretch>
+        </p:blipFill>
+        <p:spPr>
+          <a:xfrm>
+            <a:off x="5135293" y="1725105"/>
+            <a:ext cx="5038835" cy="3044858"/>
+          </a:xfrm>
+        </p:spPr>
+      </p:pic>
+      <p:sp>
+        <p:nvSpPr>
+          <p:cNvPr id="6" name="Text Placeholder 5">
+            <a:extLst>
+              <a:ext uri="{FF2B5EF4-FFF2-40B4-BE49-F238E27FC236}">
+                <a16:creationId xmlns:a16="http://schemas.microsoft.com/office/drawing/2014/main" id="{889035A3-8497-004B-987B-3CD962D98C39}"/>
+              </a:ext>
+            </a:extLst>
+          </p:cNvPr>
+          <p:cNvSpPr>
+            <a:spLocks noGrp="1"/>
+          </p:cNvSpPr>
+          <p:nvPr>
+            <p:ph type="body" sz="half" idx="2"/>
+          </p:nvPr>
+        </p:nvSpPr>
+        <p:spPr/>
+        <p:txBody>
+          <a:bodyPr/>
+          <a:lstStyle/>
+          <a:p>
+            <a:r>
+              <a:rPr lang="en-US" dirty="0"/>
+              <a:t>“Ensure a class has only one instance and provide a global point of access to it.”</a:t>
+            </a:r>
+          </a:p>
+        </p:txBody>
+      </p:sp>
+    </p:spTree>
+    <p:extLst>
+      <p:ext uri="{BB962C8B-B14F-4D97-AF65-F5344CB8AC3E}">
+        <p14:creationId xmlns:p14="http://schemas.microsoft.com/office/powerpoint/2010/main" val="1497247469"/>
       </p:ext>
     </p:extLst>
   </p:cSld>

--- a/CSC360Demo/Design Patterns Slide Show.pptx
+++ b/CSC360Demo/Design Patterns Slide Show.pptx
@@ -5,7 +5,7 @@
     <p:sldMasterId id="2147483648" r:id="rId1"/>
   </p:sldMasterIdLst>
   <p:notesMasterIdLst>
-    <p:notesMasterId r:id="rId113"/>
+    <p:notesMasterId r:id="rId115"/>
   </p:notesMasterIdLst>
   <p:sldIdLst>
     <p:sldId id="256" r:id="rId2"/>
@@ -113,12 +113,14 @@
     <p:sldId id="359" r:id="rId104"/>
     <p:sldId id="360" r:id="rId105"/>
     <p:sldId id="361" r:id="rId106"/>
-    <p:sldId id="362" r:id="rId107"/>
-    <p:sldId id="363" r:id="rId108"/>
-    <p:sldId id="293" r:id="rId109"/>
-    <p:sldId id="285" r:id="rId110"/>
-    <p:sldId id="290" r:id="rId111"/>
-    <p:sldId id="294" r:id="rId112"/>
+    <p:sldId id="377" r:id="rId107"/>
+    <p:sldId id="376" r:id="rId108"/>
+    <p:sldId id="362" r:id="rId109"/>
+    <p:sldId id="363" r:id="rId110"/>
+    <p:sldId id="293" r:id="rId111"/>
+    <p:sldId id="285" r:id="rId112"/>
+    <p:sldId id="290" r:id="rId113"/>
+    <p:sldId id="294" r:id="rId114"/>
   </p:sldIdLst>
   <p:sldSz cx="12192000" cy="6858000"/>
   <p:notesSz cx="6858000" cy="9144000"/>
@@ -27598,7 +27600,7 @@
           <a:p>
             <a:fld id="{D782FAE9-5783-41EA-813C-FADA9D2AF834}" type="datetimeFigureOut">
               <a:rPr lang="en-US" smtClean="0"/>
-              <a:t>4/22/2025</a:t>
+              <a:t>4/24/2025</a:t>
             </a:fld>
             <a:endParaRPr lang="en-US"/>
           </a:p>
@@ -28179,7 +28181,7 @@
             <a:fld id="{B61BEF0D-F0BB-DE4B-95CE-6DB70DBA9567}" type="datetimeFigureOut">
               <a:rPr lang="en-US" dirty="0"/>
               <a:pPr/>
-              <a:t>4/22/2025</a:t>
+              <a:t>4/24/2025</a:t>
             </a:fld>
             <a:endParaRPr lang="en-US" dirty="0"/>
           </a:p>
@@ -28510,7 +28512,7 @@
             <a:fld id="{B61BEF0D-F0BB-DE4B-95CE-6DB70DBA9567}" type="datetimeFigureOut">
               <a:rPr lang="en-US" dirty="0"/>
               <a:pPr/>
-              <a:t>4/22/2025</a:t>
+              <a:t>4/24/2025</a:t>
             </a:fld>
             <a:endParaRPr lang="en-US" dirty="0"/>
           </a:p>
@@ -28785,7 +28787,7 @@
             <a:fld id="{B61BEF0D-F0BB-DE4B-95CE-6DB70DBA9567}" type="datetimeFigureOut">
               <a:rPr lang="en-US" dirty="0"/>
               <a:pPr/>
-              <a:t>4/22/2025</a:t>
+              <a:t>4/24/2025</a:t>
             </a:fld>
             <a:endParaRPr lang="en-US" dirty="0"/>
           </a:p>
@@ -29350,7 +29352,7 @@
             <a:fld id="{B61BEF0D-F0BB-DE4B-95CE-6DB70DBA9567}" type="datetimeFigureOut">
               <a:rPr lang="en-US" dirty="0"/>
               <a:pPr/>
-              <a:t>4/22/2025</a:t>
+              <a:t>4/24/2025</a:t>
             </a:fld>
             <a:endParaRPr lang="en-US" dirty="0"/>
           </a:p>
@@ -29625,7 +29627,7 @@
             <a:fld id="{B61BEF0D-F0BB-DE4B-95CE-6DB70DBA9567}" type="datetimeFigureOut">
               <a:rPr lang="en-US" dirty="0"/>
               <a:pPr/>
-              <a:t>4/22/2025</a:t>
+              <a:t>4/24/2025</a:t>
             </a:fld>
             <a:endParaRPr lang="en-US" dirty="0"/>
           </a:p>
@@ -30184,7 +30186,7 @@
             <a:fld id="{B61BEF0D-F0BB-DE4B-95CE-6DB70DBA9567}" type="datetimeFigureOut">
               <a:rPr lang="en-US" dirty="0"/>
               <a:pPr/>
-              <a:t>4/22/2025</a:t>
+              <a:t>4/24/2025</a:t>
             </a:fld>
             <a:endParaRPr lang="en-US" dirty="0"/>
           </a:p>
@@ -30508,7 +30510,7 @@
             <a:fld id="{B61BEF0D-F0BB-DE4B-95CE-6DB70DBA9567}" type="datetimeFigureOut">
               <a:rPr lang="en-US" dirty="0"/>
               <a:pPr/>
-              <a:t>4/22/2025</a:t>
+              <a:t>4/24/2025</a:t>
             </a:fld>
             <a:endParaRPr lang="en-US" dirty="0"/>
           </a:p>
@@ -30682,7 +30684,7 @@
             <a:fld id="{B61BEF0D-F0BB-DE4B-95CE-6DB70DBA9567}" type="datetimeFigureOut">
               <a:rPr lang="en-US" dirty="0"/>
               <a:pPr/>
-              <a:t>4/22/2025</a:t>
+              <a:t>4/24/2025</a:t>
             </a:fld>
             <a:endParaRPr lang="en-US" dirty="0"/>
           </a:p>
@@ -30917,7 +30919,7 @@
             <a:fld id="{B61BEF0D-F0BB-DE4B-95CE-6DB70DBA9567}" type="datetimeFigureOut">
               <a:rPr lang="en-US" dirty="0"/>
               <a:pPr/>
-              <a:t>4/22/2025</a:t>
+              <a:t>4/24/2025</a:t>
             </a:fld>
             <a:endParaRPr lang="en-US" dirty="0"/>
           </a:p>
@@ -31114,7 +31116,7 @@
             <a:fld id="{B61BEF0D-F0BB-DE4B-95CE-6DB70DBA9567}" type="datetimeFigureOut">
               <a:rPr lang="en-US" dirty="0"/>
               <a:pPr/>
-              <a:t>4/22/2025</a:t>
+              <a:t>4/24/2025</a:t>
             </a:fld>
             <a:endParaRPr lang="en-US" dirty="0"/>
           </a:p>
@@ -31387,7 +31389,7 @@
             <a:fld id="{B61BEF0D-F0BB-DE4B-95CE-6DB70DBA9567}" type="datetimeFigureOut">
               <a:rPr lang="en-US" dirty="0"/>
               <a:pPr/>
-              <a:t>4/22/2025</a:t>
+              <a:t>4/24/2025</a:t>
             </a:fld>
             <a:endParaRPr lang="en-US" dirty="0"/>
           </a:p>
@@ -31650,7 +31652,7 @@
             <a:fld id="{B61BEF0D-F0BB-DE4B-95CE-6DB70DBA9567}" type="datetimeFigureOut">
               <a:rPr lang="en-US" dirty="0"/>
               <a:pPr/>
-              <a:t>4/22/2025</a:t>
+              <a:t>4/24/2025</a:t>
             </a:fld>
             <a:endParaRPr lang="en-US" dirty="0"/>
           </a:p>
@@ -32021,7 +32023,7 @@
             <a:fld id="{B61BEF0D-F0BB-DE4B-95CE-6DB70DBA9567}" type="datetimeFigureOut">
               <a:rPr lang="en-US" dirty="0"/>
               <a:pPr/>
-              <a:t>4/22/2025</a:t>
+              <a:t>4/24/2025</a:t>
             </a:fld>
             <a:endParaRPr lang="en-US" dirty="0"/>
           </a:p>
@@ -32166,7 +32168,7 @@
             <a:fld id="{B61BEF0D-F0BB-DE4B-95CE-6DB70DBA9567}" type="datetimeFigureOut">
               <a:rPr lang="en-US" dirty="0"/>
               <a:pPr/>
-              <a:t>4/22/2025</a:t>
+              <a:t>4/24/2025</a:t>
             </a:fld>
             <a:endParaRPr lang="en-US" dirty="0"/>
           </a:p>
@@ -32288,7 +32290,7 @@
             <a:fld id="{B61BEF0D-F0BB-DE4B-95CE-6DB70DBA9567}" type="datetimeFigureOut">
               <a:rPr lang="en-US" dirty="0"/>
               <a:pPr/>
-              <a:t>4/22/2025</a:t>
+              <a:t>4/24/2025</a:t>
             </a:fld>
             <a:endParaRPr lang="en-US" dirty="0"/>
           </a:p>
@@ -32570,7 +32572,7 @@
             <a:fld id="{B61BEF0D-F0BB-DE4B-95CE-6DB70DBA9567}" type="datetimeFigureOut">
               <a:rPr lang="en-US" dirty="0"/>
               <a:pPr/>
-              <a:t>4/22/2025</a:t>
+              <a:t>4/24/2025</a:t>
             </a:fld>
             <a:endParaRPr lang="en-US" dirty="0"/>
           </a:p>
@@ -32891,7 +32893,7 @@
             <a:fld id="{B61BEF0D-F0BB-DE4B-95CE-6DB70DBA9567}" type="datetimeFigureOut">
               <a:rPr lang="en-US" dirty="0"/>
               <a:pPr/>
-              <a:t>4/22/2025</a:t>
+              <a:t>4/24/2025</a:t>
             </a:fld>
             <a:endParaRPr lang="en-US" dirty="0"/>
           </a:p>
@@ -33102,7 +33104,7 @@
             <a:fld id="{B61BEF0D-F0BB-DE4B-95CE-6DB70DBA9567}" type="datetimeFigureOut">
               <a:rPr lang="en-US" dirty="0"/>
               <a:pPr/>
-              <a:t>4/22/2025</a:t>
+              <a:t>4/24/2025</a:t>
             </a:fld>
             <a:endParaRPr lang="en-US" dirty="0"/>
           </a:p>
@@ -33858,20 +33860,8 @@
               <a:buChar char="•"/>
             </a:pPr>
             <a:r>
-              <a:rPr lang="en-US" b="1" dirty="0"/>
-              <a:t>Increased Classes</a:t>
-            </a:r>
-            <a:r>
               <a:rPr lang="en-US" dirty="0"/>
-              <a:t>: Each state requires a </a:t>
-            </a:r>
-            <a:r>
-              <a:rPr lang="en-US" dirty="0" err="1"/>
-              <a:t>ConcreteState</a:t>
-            </a:r>
-            <a:r>
-              <a:rPr lang="en-US" dirty="0"/>
-              <a:t> class.</a:t>
+              <a:t>Most languages provide method delegation and in many cases this may be a more appropriate implementation to solve this problem.</a:t>
             </a:r>
           </a:p>
           <a:p>
@@ -33880,12 +33870,8 @@
               <a:buChar char="•"/>
             </a:pPr>
             <a:r>
-              <a:rPr lang="en-US" b="1" dirty="0"/>
-              <a:t>Complexity</a:t>
-            </a:r>
-            <a:r>
               <a:rPr lang="en-US" dirty="0"/>
-              <a:t>: May overcomplicate simple state-dependent behavior.</a:t>
+              <a:t>May overcomplicate behavior.</a:t>
             </a:r>
           </a:p>
         </p:txBody>
@@ -34041,7 +34027,7 @@
           <a:p>
             <a:r>
               <a:rPr lang="en-US" dirty="0"/>
-              <a:t>State pattern and S.O.L.I.D.</a:t>
+              <a:t>Strategy pattern and S.O.L.I.D.</a:t>
             </a:r>
           </a:p>
         </p:txBody>
@@ -34069,31 +34055,31 @@
           <a:p>
             <a:r>
               <a:rPr lang="en-US" dirty="0"/>
-              <a:t>S. Each Concrete class has a single responsibility (To handle the behavior for a specific state)</a:t>
+              <a:t>S. Each Concrete class has a single responsibility (To handle the behavior for a specific strategy)</a:t>
             </a:r>
           </a:p>
           <a:p>
             <a:r>
               <a:rPr lang="en-US" dirty="0"/>
-              <a:t>O. State Pattern is open to extension (by adding new concrete classes) and closed to modification by not necessitating changing other classes to implement the new state.</a:t>
+              <a:t>O. Strategy Pattern is open to extension (by adding new concrete classes) and closed to modification by not necessitating changing other classes to implement the new strategy.</a:t>
             </a:r>
           </a:p>
           <a:p>
             <a:r>
               <a:rPr lang="en-US" dirty="0"/>
-              <a:t>L. States must be interchangeable for one another because they fully must represent their individual state.</a:t>
+              <a:t>L. Concrete Strategies must be interchangeable for one another because they fully must represent the strategy interface.</a:t>
             </a:r>
           </a:p>
           <a:p>
             <a:r>
               <a:rPr lang="en-US" dirty="0"/>
-              <a:t>I.  The state interface requires an interface that only does what is required to handle the state and not force having nonessential functionality. </a:t>
+              <a:t>I.  The Strategy interface requires an interface that only does what is required to handle the strategy involved and not force having nonessential functionality. </a:t>
             </a:r>
           </a:p>
           <a:p>
             <a:r>
               <a:rPr lang="en-US" dirty="0"/>
-              <a:t>D. State can be injected into context and context is dependent on the interface not the concrete class. </a:t>
+              <a:t>D. The strategy can be injected into context and context is dependent on the interface not the concrete class. </a:t>
             </a:r>
           </a:p>
         </p:txBody>
@@ -34190,7 +34176,7 @@
           <a:p>
             <a:r>
               <a:rPr lang="en-US" dirty="0"/>
-              <a:t>State pattern</a:t>
+              <a:t>Strategy pattern</a:t>
             </a:r>
           </a:p>
         </p:txBody>
@@ -34254,7 +34240,7 @@
           <a:p>
             <a:r>
               <a:rPr lang="en-US" dirty="0"/>
-              <a:t>What are some Scenarios where The State Pattern Might be Useful? </a:t>
+              <a:t>What are some Scenarios where The Strategy Pattern Might be Useful? </a:t>
             </a:r>
           </a:p>
         </p:txBody>
@@ -34375,7 +34361,7 @@
             </a:pPr>
             <a:r>
               <a:rPr lang="en-US" dirty="0"/>
-              <a:t>Use when behavior depends on state and must change dynamically.</a:t>
+              <a:t>Payment Processing Systems</a:t>
             </a:r>
           </a:p>
           <a:p>
@@ -34385,7 +34371,7 @@
             </a:pPr>
             <a:r>
               <a:rPr lang="en-US" dirty="0"/>
-              <a:t>Ideal for replacing complex state-based conditionals with polymorphism.</a:t>
+              <a:t>Data Encryption</a:t>
             </a:r>
           </a:p>
           <a:p>
@@ -34395,7 +34381,7 @@
             </a:pPr>
             <a:r>
               <a:rPr lang="en-US" dirty="0"/>
-              <a:t>Vending Machines</a:t>
+              <a:t>Sorting</a:t>
             </a:r>
           </a:p>
           <a:p>
@@ -34405,7 +34391,7 @@
             </a:pPr>
             <a:r>
               <a:rPr lang="en-US" dirty="0"/>
-              <a:t>Order Processing</a:t>
+              <a:t>File Compression</a:t>
             </a:r>
           </a:p>
           <a:p>
@@ -34415,17 +34401,7 @@
             </a:pPr>
             <a:r>
               <a:rPr lang="en-US" dirty="0"/>
-              <a:t>Traffic Light</a:t>
-            </a:r>
-          </a:p>
-          <a:p>
-            <a:pPr rtl="0">
-              <a:buFont typeface="Arial" panose="020B0604020202020204" pitchFamily="34" charset="0"/>
-              <a:buChar char="•"/>
-            </a:pPr>
-            <a:r>
-              <a:rPr lang="en-US" dirty="0"/>
-              <a:t>Game Characters</a:t>
+              <a:t>Authentication</a:t>
             </a:r>
           </a:p>
           <a:p>
@@ -34456,6 +34432,286 @@
 </file>
 
 <file path=ppt/slides/slide106.xml><?xml version="1.0" encoding="utf-8"?>
+<p:sld xmlns:a="http://schemas.openxmlformats.org/drawingml/2006/main" xmlns:r="http://schemas.openxmlformats.org/officeDocument/2006/relationships" xmlns:p="http://schemas.openxmlformats.org/presentationml/2006/main">
+  <p:cSld>
+    <p:spTree>
+      <p:nvGrpSpPr>
+        <p:cNvPr id="1" name=""/>
+        <p:cNvGrpSpPr/>
+        <p:nvPr/>
+      </p:nvGrpSpPr>
+      <p:grpSpPr>
+        <a:xfrm>
+          <a:off x="0" y="0"/>
+          <a:ext cx="0" cy="0"/>
+          <a:chOff x="0" y="0"/>
+          <a:chExt cx="0" cy="0"/>
+        </a:xfrm>
+      </p:grpSpPr>
+      <p:sp>
+        <p:nvSpPr>
+          <p:cNvPr id="4" name="Title 3">
+            <a:extLst>
+              <a:ext uri="{FF2B5EF4-FFF2-40B4-BE49-F238E27FC236}">
+                <a16:creationId xmlns:a16="http://schemas.microsoft.com/office/drawing/2014/main" id="{1013B138-86F7-6E50-E25F-AAF476CF7956}"/>
+              </a:ext>
+            </a:extLst>
+          </p:cNvPr>
+          <p:cNvSpPr>
+            <a:spLocks noGrp="1"/>
+          </p:cNvSpPr>
+          <p:nvPr>
+            <p:ph type="title"/>
+          </p:nvPr>
+        </p:nvSpPr>
+        <p:spPr/>
+        <p:txBody>
+          <a:bodyPr/>
+          <a:lstStyle/>
+          <a:p>
+            <a:r>
+              <a:rPr lang="en-US" dirty="0"/>
+              <a:t>Haven’t I seen this somewhere before?</a:t>
+            </a:r>
+          </a:p>
+        </p:txBody>
+      </p:sp>
+      <p:sp>
+        <p:nvSpPr>
+          <p:cNvPr id="5" name="Text Placeholder 4">
+            <a:extLst>
+              <a:ext uri="{FF2B5EF4-FFF2-40B4-BE49-F238E27FC236}">
+                <a16:creationId xmlns:a16="http://schemas.microsoft.com/office/drawing/2014/main" id="{D508D543-81E0-8B6A-F617-E4F9EB08DC94}"/>
+              </a:ext>
+            </a:extLst>
+          </p:cNvPr>
+          <p:cNvSpPr>
+            <a:spLocks noGrp="1"/>
+          </p:cNvSpPr>
+          <p:nvPr>
+            <p:ph type="body" idx="1"/>
+          </p:nvPr>
+        </p:nvSpPr>
+        <p:spPr/>
+        <p:txBody>
+          <a:bodyPr/>
+          <a:lstStyle/>
+          <a:p>
+            <a:r>
+              <a:rPr lang="en-US" dirty="0"/>
+              <a:t>This is just a state pattern right?</a:t>
+            </a:r>
+          </a:p>
+        </p:txBody>
+      </p:sp>
+    </p:spTree>
+    <p:extLst>
+      <p:ext uri="{BB962C8B-B14F-4D97-AF65-F5344CB8AC3E}">
+        <p14:creationId xmlns:p14="http://schemas.microsoft.com/office/powerpoint/2010/main" val="2404274807"/>
+      </p:ext>
+    </p:extLst>
+  </p:cSld>
+  <p:clrMapOvr>
+    <a:masterClrMapping/>
+  </p:clrMapOvr>
+</p:sld>
+</file>
+
+<file path=ppt/slides/slide107.xml><?xml version="1.0" encoding="utf-8"?>
+<p:sld xmlns:a="http://schemas.openxmlformats.org/drawingml/2006/main" xmlns:r="http://schemas.openxmlformats.org/officeDocument/2006/relationships" xmlns:p="http://schemas.openxmlformats.org/presentationml/2006/main">
+  <p:cSld>
+    <p:spTree>
+      <p:nvGrpSpPr>
+        <p:cNvPr id="1" name=""/>
+        <p:cNvGrpSpPr/>
+        <p:nvPr/>
+      </p:nvGrpSpPr>
+      <p:grpSpPr>
+        <a:xfrm>
+          <a:off x="0" y="0"/>
+          <a:ext cx="0" cy="0"/>
+          <a:chOff x="0" y="0"/>
+          <a:chExt cx="0" cy="0"/>
+        </a:xfrm>
+      </p:grpSpPr>
+      <p:sp>
+        <p:nvSpPr>
+          <p:cNvPr id="4" name="Title 3">
+            <a:extLst>
+              <a:ext uri="{FF2B5EF4-FFF2-40B4-BE49-F238E27FC236}">
+                <a16:creationId xmlns:a16="http://schemas.microsoft.com/office/drawing/2014/main" id="{4F14ABB6-600D-BC60-97CA-7BE8F0EFA642}"/>
+              </a:ext>
+            </a:extLst>
+          </p:cNvPr>
+          <p:cNvSpPr>
+            <a:spLocks noGrp="1"/>
+          </p:cNvSpPr>
+          <p:nvPr>
+            <p:ph type="title"/>
+          </p:nvPr>
+        </p:nvSpPr>
+        <p:spPr/>
+        <p:txBody>
+          <a:bodyPr/>
+          <a:lstStyle/>
+          <a:p>
+            <a:r>
+              <a:rPr lang="en-US" dirty="0"/>
+              <a:t>Difference between State and Strategy</a:t>
+            </a:r>
+          </a:p>
+        </p:txBody>
+      </p:sp>
+      <p:sp>
+        <p:nvSpPr>
+          <p:cNvPr id="5" name="Text Placeholder 4">
+            <a:extLst>
+              <a:ext uri="{FF2B5EF4-FFF2-40B4-BE49-F238E27FC236}">
+                <a16:creationId xmlns:a16="http://schemas.microsoft.com/office/drawing/2014/main" id="{82FFC94C-5261-0A87-FFAD-B8286E422C8B}"/>
+              </a:ext>
+            </a:extLst>
+          </p:cNvPr>
+          <p:cNvSpPr>
+            <a:spLocks noGrp="1"/>
+          </p:cNvSpPr>
+          <p:nvPr>
+            <p:ph type="body" idx="1"/>
+          </p:nvPr>
+        </p:nvSpPr>
+        <p:spPr/>
+        <p:txBody>
+          <a:bodyPr/>
+          <a:lstStyle/>
+          <a:p>
+            <a:r>
+              <a:rPr lang="en-US" dirty="0"/>
+              <a:t>State</a:t>
+            </a:r>
+          </a:p>
+        </p:txBody>
+      </p:sp>
+      <p:sp>
+        <p:nvSpPr>
+          <p:cNvPr id="6" name="Content Placeholder 5">
+            <a:extLst>
+              <a:ext uri="{FF2B5EF4-FFF2-40B4-BE49-F238E27FC236}">
+                <a16:creationId xmlns:a16="http://schemas.microsoft.com/office/drawing/2014/main" id="{D3221EB2-D706-2149-B325-D24EAF465900}"/>
+              </a:ext>
+            </a:extLst>
+          </p:cNvPr>
+          <p:cNvSpPr>
+            <a:spLocks noGrp="1"/>
+          </p:cNvSpPr>
+          <p:nvPr>
+            <p:ph sz="half" idx="2"/>
+          </p:nvPr>
+        </p:nvSpPr>
+        <p:spPr/>
+        <p:txBody>
+          <a:bodyPr/>
+          <a:lstStyle/>
+          <a:p>
+            <a:r>
+              <a:rPr lang="en-US" dirty="0"/>
+              <a:t>Changes the object’s behavior based on its internal state.</a:t>
+            </a:r>
+          </a:p>
+          <a:p>
+            <a:r>
+              <a:rPr lang="en-US" dirty="0"/>
+              <a:t>Varies based on when the state of the application changes.</a:t>
+            </a:r>
+          </a:p>
+          <a:p>
+            <a:r>
+              <a:rPr lang="en-US" dirty="0"/>
+              <a:t>Concrete classes represent a full state.</a:t>
+            </a:r>
+          </a:p>
+        </p:txBody>
+      </p:sp>
+      <p:sp>
+        <p:nvSpPr>
+          <p:cNvPr id="7" name="Text Placeholder 6">
+            <a:extLst>
+              <a:ext uri="{FF2B5EF4-FFF2-40B4-BE49-F238E27FC236}">
+                <a16:creationId xmlns:a16="http://schemas.microsoft.com/office/drawing/2014/main" id="{EEB22BA5-D533-9DA5-351B-884BBD91413B}"/>
+              </a:ext>
+            </a:extLst>
+          </p:cNvPr>
+          <p:cNvSpPr>
+            <a:spLocks noGrp="1"/>
+          </p:cNvSpPr>
+          <p:nvPr>
+            <p:ph type="body" sz="quarter" idx="3"/>
+          </p:nvPr>
+        </p:nvSpPr>
+        <p:spPr/>
+        <p:txBody>
+          <a:bodyPr/>
+          <a:lstStyle/>
+          <a:p>
+            <a:r>
+              <a:rPr lang="en-US" dirty="0"/>
+              <a:t>Strategy</a:t>
+            </a:r>
+          </a:p>
+        </p:txBody>
+      </p:sp>
+      <p:sp>
+        <p:nvSpPr>
+          <p:cNvPr id="8" name="Content Placeholder 7">
+            <a:extLst>
+              <a:ext uri="{FF2B5EF4-FFF2-40B4-BE49-F238E27FC236}">
+                <a16:creationId xmlns:a16="http://schemas.microsoft.com/office/drawing/2014/main" id="{8314BB5B-5FC6-4352-171E-8895F55323E1}"/>
+              </a:ext>
+            </a:extLst>
+          </p:cNvPr>
+          <p:cNvSpPr>
+            <a:spLocks noGrp="1"/>
+          </p:cNvSpPr>
+          <p:nvPr>
+            <p:ph sz="quarter" idx="4"/>
+          </p:nvPr>
+        </p:nvSpPr>
+        <p:spPr/>
+        <p:txBody>
+          <a:bodyPr/>
+          <a:lstStyle/>
+          <a:p>
+            <a:r>
+              <a:rPr lang="en-US" dirty="0"/>
+              <a:t>Changes based on client selection.</a:t>
+            </a:r>
+          </a:p>
+          <a:p>
+            <a:r>
+              <a:rPr lang="en-US" dirty="0"/>
+              <a:t>Varies  when choosing a specific strategy at a specific time in execution.</a:t>
+            </a:r>
+          </a:p>
+          <a:p>
+            <a:r>
+              <a:rPr lang="en-US" dirty="0"/>
+              <a:t>Concrete classes represent a different strategy for solving a problem.</a:t>
+            </a:r>
+          </a:p>
+        </p:txBody>
+      </p:sp>
+    </p:spTree>
+    <p:extLst>
+      <p:ext uri="{BB962C8B-B14F-4D97-AF65-F5344CB8AC3E}">
+        <p14:creationId xmlns:p14="http://schemas.microsoft.com/office/powerpoint/2010/main" val="3254959711"/>
+      </p:ext>
+    </p:extLst>
+  </p:cSld>
+  <p:clrMapOvr>
+    <a:masterClrMapping/>
+  </p:clrMapOvr>
+</p:sld>
+</file>
+
+<file path=ppt/slides/slide108.xml><?xml version="1.0" encoding="utf-8"?>
 <p:sld xmlns:a="http://schemas.openxmlformats.org/drawingml/2006/main" xmlns:r="http://schemas.openxmlformats.org/officeDocument/2006/relationships" xmlns:p="http://schemas.openxmlformats.org/presentationml/2006/main">
   <p:cSld>
     <p:spTree>
@@ -34529,7 +34785,7 @@
           <a:p>
             <a:r>
               <a:rPr lang="en-US" dirty="0"/>
-              <a:t>State Pattern</a:t>
+              <a:t>Strategy Pattern</a:t>
             </a:r>
           </a:p>
         </p:txBody>
@@ -34547,7 +34803,7 @@
 </p:sld>
 </file>
 
-<file path=ppt/slides/slide107.xml><?xml version="1.0" encoding="utf-8"?>
+<file path=ppt/slides/slide109.xml><?xml version="1.0" encoding="utf-8"?>
 <p:sld xmlns:a="http://schemas.openxmlformats.org/drawingml/2006/main" xmlns:r="http://schemas.openxmlformats.org/officeDocument/2006/relationships" xmlns:p="http://schemas.openxmlformats.org/presentationml/2006/main">
   <p:cSld>
     <p:spTree>
@@ -34593,7 +34849,7 @@
           <a:p>
             <a:r>
               <a:rPr lang="en-US" dirty="0"/>
-              <a:t>Implementing a State Pattern in Code</a:t>
+              <a:t>Implementing a Strategy Pattern in Code</a:t>
             </a:r>
           </a:p>
         </p:txBody>
@@ -34636,7 +34892,114 @@
 </p:sld>
 </file>
 
-<file path=ppt/slides/slide108.xml><?xml version="1.0" encoding="utf-8"?>
+<file path=ppt/slides/slide11.xml><?xml version="1.0" encoding="utf-8"?>
+<p:sld xmlns:a="http://schemas.openxmlformats.org/drawingml/2006/main" xmlns:r="http://schemas.openxmlformats.org/officeDocument/2006/relationships" xmlns:p="http://schemas.openxmlformats.org/presentationml/2006/main">
+  <p:cSld>
+    <p:spTree>
+      <p:nvGrpSpPr>
+        <p:cNvPr id="1" name=""/>
+        <p:cNvGrpSpPr/>
+        <p:nvPr/>
+      </p:nvGrpSpPr>
+      <p:grpSpPr>
+        <a:xfrm>
+          <a:off x="0" y="0"/>
+          <a:ext cx="0" cy="0"/>
+          <a:chOff x="0" y="0"/>
+          <a:chExt cx="0" cy="0"/>
+        </a:xfrm>
+      </p:grpSpPr>
+      <p:sp>
+        <p:nvSpPr>
+          <p:cNvPr id="2" name="Title 1">
+            <a:extLst>
+              <a:ext uri="{FF2B5EF4-FFF2-40B4-BE49-F238E27FC236}">
+                <a16:creationId xmlns:a16="http://schemas.microsoft.com/office/drawing/2014/main" id="{C0E51E04-2FC8-77A9-58D7-B22A96726D93}"/>
+              </a:ext>
+            </a:extLst>
+          </p:cNvPr>
+          <p:cNvSpPr>
+            <a:spLocks noGrp="1"/>
+          </p:cNvSpPr>
+          <p:nvPr>
+            <p:ph type="title"/>
+          </p:nvPr>
+        </p:nvSpPr>
+        <p:spPr/>
+        <p:txBody>
+          <a:bodyPr/>
+          <a:lstStyle/>
+          <a:p>
+            <a:r>
+              <a:rPr lang="en-US" dirty="0"/>
+              <a:t>Benefits of a Singelton Pattern</a:t>
+            </a:r>
+          </a:p>
+        </p:txBody>
+      </p:sp>
+      <p:sp>
+        <p:nvSpPr>
+          <p:cNvPr id="3" name="Content Placeholder 2">
+            <a:extLst>
+              <a:ext uri="{FF2B5EF4-FFF2-40B4-BE49-F238E27FC236}">
+                <a16:creationId xmlns:a16="http://schemas.microsoft.com/office/drawing/2014/main" id="{EF34A624-1426-109C-9CAA-B23C3634C15D}"/>
+              </a:ext>
+            </a:extLst>
+          </p:cNvPr>
+          <p:cNvSpPr>
+            <a:spLocks noGrp="1"/>
+          </p:cNvSpPr>
+          <p:nvPr>
+            <p:ph idx="1"/>
+          </p:nvPr>
+        </p:nvSpPr>
+        <p:spPr/>
+        <p:txBody>
+          <a:bodyPr/>
+          <a:lstStyle/>
+          <a:p>
+            <a:pPr marL="0" indent="0">
+              <a:buNone/>
+            </a:pPr>
+            <a:r>
+              <a:rPr lang="en-US" dirty="0"/>
+              <a:t>A singleton object is only created once (avoiding the expense of creating a class multiple times).</a:t>
+            </a:r>
+          </a:p>
+          <a:p>
+            <a:pPr marL="0" indent="0">
+              <a:buNone/>
+            </a:pPr>
+            <a:r>
+              <a:rPr lang="en-US" dirty="0"/>
+              <a:t>A singleton object always acts the same way anywhere in the system and contain the same data.</a:t>
+            </a:r>
+          </a:p>
+          <a:p>
+            <a:pPr marL="0" indent="0">
+              <a:buNone/>
+            </a:pPr>
+            <a:r>
+              <a:rPr lang="en-US" dirty="0"/>
+              <a:t>A singleton can share data across large systems.</a:t>
+            </a:r>
+          </a:p>
+        </p:txBody>
+      </p:sp>
+    </p:spTree>
+    <p:extLst>
+      <p:ext uri="{BB962C8B-B14F-4D97-AF65-F5344CB8AC3E}">
+        <p14:creationId xmlns:p14="http://schemas.microsoft.com/office/powerpoint/2010/main" val="847439787"/>
+      </p:ext>
+    </p:extLst>
+  </p:cSld>
+  <p:clrMapOvr>
+    <a:masterClrMapping/>
+  </p:clrMapOvr>
+</p:sld>
+</file>
+
+<file path=ppt/slides/slide110.xml><?xml version="1.0" encoding="utf-8"?>
 <p:sld xmlns:a="http://schemas.openxmlformats.org/drawingml/2006/main" xmlns:r="http://schemas.openxmlformats.org/officeDocument/2006/relationships" xmlns:p="http://schemas.openxmlformats.org/presentationml/2006/main">
   <p:cSld>
     <p:spTree>
@@ -34757,7 +35120,7 @@
 </p:sld>
 </file>
 
-<file path=ppt/slides/slide109.xml><?xml version="1.0" encoding="utf-8"?>
+<file path=ppt/slides/slide111.xml><?xml version="1.0" encoding="utf-8"?>
 <p:sld xmlns:a="http://schemas.openxmlformats.org/drawingml/2006/main" xmlns:r="http://schemas.openxmlformats.org/officeDocument/2006/relationships" xmlns:p="http://schemas.openxmlformats.org/presentationml/2006/main">
   <p:cSld>
     <p:spTree>
@@ -34878,114 +35241,7 @@
 </p:sld>
 </file>
 
-<file path=ppt/slides/slide11.xml><?xml version="1.0" encoding="utf-8"?>
-<p:sld xmlns:a="http://schemas.openxmlformats.org/drawingml/2006/main" xmlns:r="http://schemas.openxmlformats.org/officeDocument/2006/relationships" xmlns:p="http://schemas.openxmlformats.org/presentationml/2006/main">
-  <p:cSld>
-    <p:spTree>
-      <p:nvGrpSpPr>
-        <p:cNvPr id="1" name=""/>
-        <p:cNvGrpSpPr/>
-        <p:nvPr/>
-      </p:nvGrpSpPr>
-      <p:grpSpPr>
-        <a:xfrm>
-          <a:off x="0" y="0"/>
-          <a:ext cx="0" cy="0"/>
-          <a:chOff x="0" y="0"/>
-          <a:chExt cx="0" cy="0"/>
-        </a:xfrm>
-      </p:grpSpPr>
-      <p:sp>
-        <p:nvSpPr>
-          <p:cNvPr id="2" name="Title 1">
-            <a:extLst>
-              <a:ext uri="{FF2B5EF4-FFF2-40B4-BE49-F238E27FC236}">
-                <a16:creationId xmlns:a16="http://schemas.microsoft.com/office/drawing/2014/main" id="{C0E51E04-2FC8-77A9-58D7-B22A96726D93}"/>
-              </a:ext>
-            </a:extLst>
-          </p:cNvPr>
-          <p:cNvSpPr>
-            <a:spLocks noGrp="1"/>
-          </p:cNvSpPr>
-          <p:nvPr>
-            <p:ph type="title"/>
-          </p:nvPr>
-        </p:nvSpPr>
-        <p:spPr/>
-        <p:txBody>
-          <a:bodyPr/>
-          <a:lstStyle/>
-          <a:p>
-            <a:r>
-              <a:rPr lang="en-US" dirty="0"/>
-              <a:t>Benefits of a Singelton Pattern</a:t>
-            </a:r>
-          </a:p>
-        </p:txBody>
-      </p:sp>
-      <p:sp>
-        <p:nvSpPr>
-          <p:cNvPr id="3" name="Content Placeholder 2">
-            <a:extLst>
-              <a:ext uri="{FF2B5EF4-FFF2-40B4-BE49-F238E27FC236}">
-                <a16:creationId xmlns:a16="http://schemas.microsoft.com/office/drawing/2014/main" id="{EF34A624-1426-109C-9CAA-B23C3634C15D}"/>
-              </a:ext>
-            </a:extLst>
-          </p:cNvPr>
-          <p:cNvSpPr>
-            <a:spLocks noGrp="1"/>
-          </p:cNvSpPr>
-          <p:nvPr>
-            <p:ph idx="1"/>
-          </p:nvPr>
-        </p:nvSpPr>
-        <p:spPr/>
-        <p:txBody>
-          <a:bodyPr/>
-          <a:lstStyle/>
-          <a:p>
-            <a:pPr marL="0" indent="0">
-              <a:buNone/>
-            </a:pPr>
-            <a:r>
-              <a:rPr lang="en-US" dirty="0"/>
-              <a:t>A singleton object is only created once (avoiding the expense of creating a class multiple times).</a:t>
-            </a:r>
-          </a:p>
-          <a:p>
-            <a:pPr marL="0" indent="0">
-              <a:buNone/>
-            </a:pPr>
-            <a:r>
-              <a:rPr lang="en-US" dirty="0"/>
-              <a:t>A singleton object always acts the same way anywhere in the system and contain the same data.</a:t>
-            </a:r>
-          </a:p>
-          <a:p>
-            <a:pPr marL="0" indent="0">
-              <a:buNone/>
-            </a:pPr>
-            <a:r>
-              <a:rPr lang="en-US" dirty="0"/>
-              <a:t>A singleton can share data across large systems.</a:t>
-            </a:r>
-          </a:p>
-        </p:txBody>
-      </p:sp>
-    </p:spTree>
-    <p:extLst>
-      <p:ext uri="{BB962C8B-B14F-4D97-AF65-F5344CB8AC3E}">
-        <p14:creationId xmlns:p14="http://schemas.microsoft.com/office/powerpoint/2010/main" val="847439787"/>
-      </p:ext>
-    </p:extLst>
-  </p:cSld>
-  <p:clrMapOvr>
-    <a:masterClrMapping/>
-  </p:clrMapOvr>
-</p:sld>
-</file>
-
-<file path=ppt/slides/slide110.xml><?xml version="1.0" encoding="utf-8"?>
+<file path=ppt/slides/slide112.xml><?xml version="1.0" encoding="utf-8"?>
 <p:sld xmlns:a="http://schemas.openxmlformats.org/drawingml/2006/main" xmlns:r="http://schemas.openxmlformats.org/officeDocument/2006/relationships" xmlns:p="http://schemas.openxmlformats.org/presentationml/2006/main">
   <p:cSld>
     <p:spTree>
@@ -35106,7 +35362,7 @@
 </p:sld>
 </file>
 
-<file path=ppt/slides/slide111.xml><?xml version="1.0" encoding="utf-8"?>
+<file path=ppt/slides/slide113.xml><?xml version="1.0" encoding="utf-8"?>
 <p:sld xmlns:a="http://schemas.openxmlformats.org/drawingml/2006/main" xmlns:r="http://schemas.openxmlformats.org/officeDocument/2006/relationships" xmlns:p="http://schemas.openxmlformats.org/presentationml/2006/main">
   <p:cSld>
     <p:spTree>
@@ -47862,7 +48118,7 @@
           <a:p>
             <a:r>
               <a:rPr lang="en-US" dirty="0"/>
-              <a:t>Attributes of a State Design Pattern</a:t>
+              <a:t>Attributes of a Strategy Design Pattern</a:t>
             </a:r>
           </a:p>
         </p:txBody>
@@ -47891,38 +48147,39 @@
             <a:pPr rtl="0"/>
             <a:r>
               <a:rPr lang="en-US" b="1" dirty="0"/>
-              <a:t>Context</a:t>
+              <a:t>There is a strategy interface the defines the action method.</a:t>
             </a:r>
-            <a:r>
-              <a:rPr lang="en-US" dirty="0"/>
-              <a:t>: Maintains a reference to a State object representing the current state.</a:t>
-            </a:r>
+            <a:endParaRPr lang="en-US" dirty="0"/>
           </a:p>
           <a:p>
             <a:pPr rtl="0"/>
             <a:r>
               <a:rPr lang="en-US" b="1" dirty="0"/>
-              <a:t>State Interface/Abstract Class</a:t>
+              <a:t>Multiple concrete strategies (Implementations)</a:t>
             </a:r>
-            <a:r>
-              <a:rPr lang="en-US" dirty="0"/>
-              <a:t>: Defines a common interface for all concrete states.</a:t>
-            </a:r>
+            <a:endParaRPr lang="en-US" dirty="0"/>
           </a:p>
           <a:p>
             <a:pPr rtl="0"/>
             <a:r>
-              <a:rPr lang="en-US" b="1" dirty="0" err="1"/>
-              <a:t>ConcreteState</a:t>
+              <a:rPr lang="en-US" b="1" dirty="0"/>
+              <a:t>There is a strategy context which encapsulates the strategy interface</a:t>
             </a:r>
+          </a:p>
+          <a:p>
+            <a:pPr rtl="0"/>
             <a:r>
               <a:rPr lang="en-US" b="1" dirty="0"/>
-              <a:t> Classes</a:t>
+              <a:t>The context allows the calling code to set its internal strategy field to a concrete implementation</a:t>
             </a:r>
+          </a:p>
+          <a:p>
+            <a:pPr rtl="0"/>
             <a:r>
-              <a:rPr lang="en-US" dirty="0"/>
-              <a:t>: Implement state-specific behavior for each state.</a:t>
+              <a:rPr lang="en-US" b="1" dirty="0"/>
+              <a:t>The concrete strategy implementation is set on the context based on some conditional logic</a:t>
             </a:r>
+            <a:endParaRPr lang="en-US" dirty="0"/>
           </a:p>
         </p:txBody>
       </p:sp>
@@ -47985,7 +48242,7 @@
           <a:p>
             <a:r>
               <a:rPr lang="en-US" dirty="0"/>
-              <a:t>Benefits of a State Design Pattern</a:t>
+              <a:t>Benefits of a Strategy Design Pattern</a:t>
             </a:r>
           </a:p>
         </p:txBody>
@@ -48014,47 +48271,29 @@
             <a:pPr rtl="0"/>
             <a:r>
               <a:rPr lang="en-US" b="1" dirty="0"/>
-              <a:t>Modularity</a:t>
+              <a:t>Reduces complex conditional logic from the code because each type of behavior is handled by it’s own strategy</a:t>
             </a:r>
-            <a:r>
-              <a:rPr lang="en-US" dirty="0"/>
-              <a:t>: Encapsulates state-specific behavior in separate classes.</a:t>
-            </a:r>
+            <a:endParaRPr lang="en-US" dirty="0"/>
           </a:p>
           <a:p>
             <a:pPr rtl="0"/>
             <a:r>
               <a:rPr lang="en-US" b="1" dirty="0"/>
-              <a:t>Simplicity</a:t>
+              <a:t>Easily swap algorithms at runtime</a:t>
             </a:r>
-            <a:r>
-              <a:rPr lang="en-US" dirty="0"/>
-              <a:t>: Eliminates large conditional statements in the Context.</a:t>
-            </a:r>
+            <a:endParaRPr lang="en-US" dirty="0"/>
           </a:p>
           <a:p>
             <a:r>
               <a:rPr lang="en-US" b="1" dirty="0"/>
-              <a:t>Extensibility</a:t>
+              <a:t>Because the context retains I’s strategy you don’t have to execute conditional logic regularly</a:t>
             </a:r>
-            <a:r>
-              <a:rPr lang="en-US" dirty="0"/>
-              <a:t>: Easy to add new states without modifying Context.</a:t>
-            </a:r>
-            <a:r>
-              <a:rPr lang="en-US" b="1" dirty="0"/>
-              <a:t> </a:t>
-            </a:r>
-          </a:p>
-          <a:p>
-            <a:r>
-              <a:rPr lang="en-US" b="1" dirty="0"/>
-              <a:t>Explicit Transitions</a:t>
-            </a:r>
-            <a:r>
-              <a:rPr lang="en-US" dirty="0"/>
-              <a:t>: State changes are clear and controlled.</a:t>
-            </a:r>
+          </a:p>
+          <a:p>
+            <a:pPr marL="0" indent="0">
+              <a:buNone/>
+            </a:pPr>
+            <a:endParaRPr lang="en-US" dirty="0"/>
           </a:p>
           <a:p>
             <a:pPr rtl="0"/>
